--- a/programming/scope-and-closure/作用域与闭包.pptx
+++ b/programming/scope-and-closure/作用域与闭包.pptx
@@ -6,10 +6,10 @@
     <p:sldMasterId id="2147483782" r:id="rId5"/>
   </p:sldMasterIdLst>
   <p:notesMasterIdLst>
-    <p:notesMasterId r:id="rId31"/>
+    <p:notesMasterId r:id="rId34"/>
   </p:notesMasterIdLst>
   <p:handoutMasterIdLst>
-    <p:handoutMasterId r:id="rId32"/>
+    <p:handoutMasterId r:id="rId35"/>
   </p:handoutMasterIdLst>
   <p:sldIdLst>
     <p:sldId id="447" r:id="rId6"/>
@@ -24,19 +24,22 @@
     <p:sldId id="460" r:id="rId15"/>
     <p:sldId id="480" r:id="rId16"/>
     <p:sldId id="474" r:id="rId17"/>
-    <p:sldId id="481" r:id="rId18"/>
-    <p:sldId id="472" r:id="rId19"/>
-    <p:sldId id="473" r:id="rId20"/>
-    <p:sldId id="482" r:id="rId21"/>
-    <p:sldId id="483" r:id="rId22"/>
+    <p:sldId id="487" r:id="rId18"/>
+    <p:sldId id="481" r:id="rId19"/>
+    <p:sldId id="472" r:id="rId20"/>
+    <p:sldId id="473" r:id="rId21"/>
+    <p:sldId id="482" r:id="rId22"/>
     <p:sldId id="476" r:id="rId23"/>
-    <p:sldId id="484" r:id="rId24"/>
-    <p:sldId id="475" r:id="rId25"/>
-    <p:sldId id="477" r:id="rId26"/>
-    <p:sldId id="485" r:id="rId27"/>
-    <p:sldId id="478" r:id="rId28"/>
-    <p:sldId id="486" r:id="rId29"/>
-    <p:sldId id="413" r:id="rId30"/>
+    <p:sldId id="483" r:id="rId24"/>
+    <p:sldId id="488" r:id="rId25"/>
+    <p:sldId id="489" r:id="rId26"/>
+    <p:sldId id="484" r:id="rId27"/>
+    <p:sldId id="475" r:id="rId28"/>
+    <p:sldId id="477" r:id="rId29"/>
+    <p:sldId id="485" r:id="rId30"/>
+    <p:sldId id="478" r:id="rId31"/>
+    <p:sldId id="486" r:id="rId32"/>
+    <p:sldId id="413" r:id="rId33"/>
   </p:sldIdLst>
   <p:sldSz cx="12195175" cy="6858000"/>
   <p:notesSz cx="6858000" cy="9144000"/>
@@ -195,7 +198,7 @@
 <file path=ppt/revisionInfo.xml><?xml version="1.0" encoding="utf-8"?>
 <p1510:revInfo xmlns:a="http://schemas.openxmlformats.org/drawingml/2006/main" xmlns:r="http://schemas.openxmlformats.org/officeDocument/2006/relationships" xmlns:p1510="http://schemas.microsoft.com/office/powerpoint/2015/10/main">
   <p1510:revLst>
-    <p1510:client id="{E36D37F8-65D6-CB4E-9641-3945A964B367}" v="364" dt="2021-02-25T17:23:56.798"/>
+    <p1510:client id="{E36D37F8-65D6-CB4E-9641-3945A964B367}" v="403" dt="2021-02-26T10:11:00.891"/>
   </p1510:revLst>
 </p1510:revInfo>
 </file>
@@ -204,11 +207,329 @@
 <pc:chgInfo xmlns:a="http://schemas.openxmlformats.org/drawingml/2006/main" xmlns:r="http://schemas.openxmlformats.org/officeDocument/2006/relationships" xmlns:ac="http://schemas.microsoft.com/office/drawing/2013/main/command" xmlns:pc="http://schemas.microsoft.com/office/powerpoint/2013/main/command">
   <pc:docChgLst>
     <pc:chgData name="Peng, Syncher Pylon" userId="02392590-0b79-4f0b-b812-307b7e5a80a6" providerId="ADAL" clId="{E36D37F8-65D6-CB4E-9641-3945A964B367}"/>
-    <pc:docChg chg="addSld modSld sldOrd">
-      <pc:chgData name="Peng, Syncher Pylon" userId="02392590-0b79-4f0b-b812-307b7e5a80a6" providerId="ADAL" clId="{E36D37F8-65D6-CB4E-9641-3945A964B367}" dt="2021-02-25T17:24:16.798" v="16" actId="20577"/>
+    <pc:docChg chg="undo custSel addSld modSld sldOrd">
+      <pc:chgData name="Peng, Syncher Pylon" userId="02392590-0b79-4f0b-b812-307b7e5a80a6" providerId="ADAL" clId="{E36D37F8-65D6-CB4E-9641-3945A964B367}" dt="2021-02-26T10:12:23.014" v="674" actId="1076"/>
       <pc:docMkLst>
         <pc:docMk/>
       </pc:docMkLst>
+      <pc:sldChg chg="modSp mod">
+        <pc:chgData name="Peng, Syncher Pylon" userId="02392590-0b79-4f0b-b812-307b7e5a80a6" providerId="ADAL" clId="{E36D37F8-65D6-CB4E-9641-3945A964B367}" dt="2021-02-26T01:57:44.462" v="33" actId="20577"/>
+        <pc:sldMkLst>
+          <pc:docMk/>
+          <pc:sldMk cId="3602749482" sldId="364"/>
+        </pc:sldMkLst>
+        <pc:spChg chg="mod">
+          <ac:chgData name="Peng, Syncher Pylon" userId="02392590-0b79-4f0b-b812-307b7e5a80a6" providerId="ADAL" clId="{E36D37F8-65D6-CB4E-9641-3945A964B367}" dt="2021-02-26T01:57:44.462" v="33" actId="20577"/>
+          <ac:spMkLst>
+            <pc:docMk/>
+            <pc:sldMk cId="3602749482" sldId="364"/>
+            <ac:spMk id="4" creationId="{25339262-931C-674A-90A9-EA6655D73E94}"/>
+          </ac:spMkLst>
+        </pc:spChg>
+      </pc:sldChg>
+      <pc:sldChg chg="modSp mod">
+        <pc:chgData name="Peng, Syncher Pylon" userId="02392590-0b79-4f0b-b812-307b7e5a80a6" providerId="ADAL" clId="{E36D37F8-65D6-CB4E-9641-3945A964B367}" dt="2021-02-26T03:38:14.620" v="308" actId="20577"/>
+        <pc:sldMkLst>
+          <pc:docMk/>
+          <pc:sldMk cId="1271430971" sldId="473"/>
+        </pc:sldMkLst>
+        <pc:spChg chg="mod">
+          <ac:chgData name="Peng, Syncher Pylon" userId="02392590-0b79-4f0b-b812-307b7e5a80a6" providerId="ADAL" clId="{E36D37F8-65D6-CB4E-9641-3945A964B367}" dt="2021-02-26T03:38:14.620" v="308" actId="20577"/>
+          <ac:spMkLst>
+            <pc:docMk/>
+            <pc:sldMk cId="1271430971" sldId="473"/>
+            <ac:spMk id="4" creationId="{25339262-931C-674A-90A9-EA6655D73E94}"/>
+          </ac:spMkLst>
+        </pc:spChg>
+      </pc:sldChg>
+      <pc:sldChg chg="addSp delSp modSp mod modAnim">
+        <pc:chgData name="Peng, Syncher Pylon" userId="02392590-0b79-4f0b-b812-307b7e5a80a6" providerId="ADAL" clId="{E36D37F8-65D6-CB4E-9641-3945A964B367}" dt="2021-02-26T03:16:59.570" v="47"/>
+        <pc:sldMkLst>
+          <pc:docMk/>
+          <pc:sldMk cId="850776290" sldId="474"/>
+        </pc:sldMkLst>
+        <pc:spChg chg="add del">
+          <ac:chgData name="Peng, Syncher Pylon" userId="02392590-0b79-4f0b-b812-307b7e5a80a6" providerId="ADAL" clId="{E36D37F8-65D6-CB4E-9641-3945A964B367}" dt="2021-02-26T03:15:32.714" v="38" actId="11529"/>
+          <ac:spMkLst>
+            <pc:docMk/>
+            <pc:sldMk cId="850776290" sldId="474"/>
+            <ac:spMk id="2" creationId="{11BB7B7D-3313-B04B-9833-666FD149BAEB}"/>
+          </ac:spMkLst>
+        </pc:spChg>
+        <pc:picChg chg="mod">
+          <ac:chgData name="Peng, Syncher Pylon" userId="02392590-0b79-4f0b-b812-307b7e5a80a6" providerId="ADAL" clId="{E36D37F8-65D6-CB4E-9641-3945A964B367}" dt="2021-02-26T03:15:30.773" v="37" actId="1076"/>
+          <ac:picMkLst>
+            <pc:docMk/>
+            <pc:sldMk cId="850776290" sldId="474"/>
+            <ac:picMk id="3" creationId="{870B26A1-93C1-044E-8FB0-5DF9B64A14C8}"/>
+          </ac:picMkLst>
+        </pc:picChg>
+      </pc:sldChg>
+      <pc:sldChg chg="addSp delSp modSp mod ord">
+        <pc:chgData name="Peng, Syncher Pylon" userId="02392590-0b79-4f0b-b812-307b7e5a80a6" providerId="ADAL" clId="{E36D37F8-65D6-CB4E-9641-3945A964B367}" dt="2021-02-26T09:13:44.492" v="614" actId="20578"/>
+        <pc:sldMkLst>
+          <pc:docMk/>
+          <pc:sldMk cId="47798121" sldId="476"/>
+        </pc:sldMkLst>
+        <pc:spChg chg="mod">
+          <ac:chgData name="Peng, Syncher Pylon" userId="02392590-0b79-4f0b-b812-307b7e5a80a6" providerId="ADAL" clId="{E36D37F8-65D6-CB4E-9641-3945A964B367}" dt="2021-02-26T07:50:51.989" v="365" actId="207"/>
+          <ac:spMkLst>
+            <pc:docMk/>
+            <pc:sldMk cId="47798121" sldId="476"/>
+            <ac:spMk id="3" creationId="{1A9B921C-3578-894D-BDA4-6109043A2CB4}"/>
+          </ac:spMkLst>
+        </pc:spChg>
+        <pc:spChg chg="mod">
+          <ac:chgData name="Peng, Syncher Pylon" userId="02392590-0b79-4f0b-b812-307b7e5a80a6" providerId="ADAL" clId="{E36D37F8-65D6-CB4E-9641-3945A964B367}" dt="2021-02-26T09:03:23.485" v="606" actId="20577"/>
+          <ac:spMkLst>
+            <pc:docMk/>
+            <pc:sldMk cId="47798121" sldId="476"/>
+            <ac:spMk id="4" creationId="{25339262-931C-674A-90A9-EA6655D73E94}"/>
+          </ac:spMkLst>
+        </pc:spChg>
+        <pc:picChg chg="del mod">
+          <ac:chgData name="Peng, Syncher Pylon" userId="02392590-0b79-4f0b-b812-307b7e5a80a6" providerId="ADAL" clId="{E36D37F8-65D6-CB4E-9641-3945A964B367}" dt="2021-02-26T09:05:03.279" v="611" actId="478"/>
+          <ac:picMkLst>
+            <pc:docMk/>
+            <pc:sldMk cId="47798121" sldId="476"/>
+            <ac:picMk id="2" creationId="{ED36501E-7DCE-4844-916A-7A877A1F3139}"/>
+          </ac:picMkLst>
+        </pc:picChg>
+        <pc:picChg chg="add">
+          <ac:chgData name="Peng, Syncher Pylon" userId="02392590-0b79-4f0b-b812-307b7e5a80a6" providerId="ADAL" clId="{E36D37F8-65D6-CB4E-9641-3945A964B367}" dt="2021-02-26T09:08:50.477" v="612"/>
+          <ac:picMkLst>
+            <pc:docMk/>
+            <pc:sldMk cId="47798121" sldId="476"/>
+            <ac:picMk id="5" creationId="{C131A0C6-185C-8D4C-B2E3-56472921C133}"/>
+          </ac:picMkLst>
+        </pc:picChg>
+      </pc:sldChg>
+      <pc:sldChg chg="modSp mod">
+        <pc:chgData name="Peng, Syncher Pylon" userId="02392590-0b79-4f0b-b812-307b7e5a80a6" providerId="ADAL" clId="{E36D37F8-65D6-CB4E-9641-3945A964B367}" dt="2021-02-26T08:23:05.794" v="546" actId="20577"/>
+        <pc:sldMkLst>
+          <pc:docMk/>
+          <pc:sldMk cId="819769675" sldId="478"/>
+        </pc:sldMkLst>
+        <pc:spChg chg="mod">
+          <ac:chgData name="Peng, Syncher Pylon" userId="02392590-0b79-4f0b-b812-307b7e5a80a6" providerId="ADAL" clId="{E36D37F8-65D6-CB4E-9641-3945A964B367}" dt="2021-02-26T08:23:05.794" v="546" actId="20577"/>
+          <ac:spMkLst>
+            <pc:docMk/>
+            <pc:sldMk cId="819769675" sldId="478"/>
+            <ac:spMk id="2" creationId="{32099B4D-11EA-974E-8D7D-F4D270731353}"/>
+          </ac:spMkLst>
+        </pc:spChg>
+      </pc:sldChg>
+      <pc:sldChg chg="delSp modSp mod">
+        <pc:chgData name="Peng, Syncher Pylon" userId="02392590-0b79-4f0b-b812-307b7e5a80a6" providerId="ADAL" clId="{E36D37F8-65D6-CB4E-9641-3945A964B367}" dt="2021-02-26T03:38:09.220" v="306" actId="20577"/>
+        <pc:sldMkLst>
+          <pc:docMk/>
+          <pc:sldMk cId="2728145805" sldId="481"/>
+        </pc:sldMkLst>
+        <pc:spChg chg="del mod">
+          <ac:chgData name="Peng, Syncher Pylon" userId="02392590-0b79-4f0b-b812-307b7e5a80a6" providerId="ADAL" clId="{E36D37F8-65D6-CB4E-9641-3945A964B367}" dt="2021-02-26T03:35:50.825" v="293" actId="478"/>
+          <ac:spMkLst>
+            <pc:docMk/>
+            <pc:sldMk cId="2728145805" sldId="481"/>
+            <ac:spMk id="2" creationId="{425CA944-D98F-944F-9DA8-7BD8E994E8E4}"/>
+          </ac:spMkLst>
+        </pc:spChg>
+        <pc:spChg chg="mod">
+          <ac:chgData name="Peng, Syncher Pylon" userId="02392590-0b79-4f0b-b812-307b7e5a80a6" providerId="ADAL" clId="{E36D37F8-65D6-CB4E-9641-3945A964B367}" dt="2021-02-26T03:38:09.220" v="306" actId="20577"/>
+          <ac:spMkLst>
+            <pc:docMk/>
+            <pc:sldMk cId="2728145805" sldId="481"/>
+            <ac:spMk id="4" creationId="{25339262-931C-674A-90A9-EA6655D73E94}"/>
+          </ac:spMkLst>
+        </pc:spChg>
+        <pc:spChg chg="mod">
+          <ac:chgData name="Peng, Syncher Pylon" userId="02392590-0b79-4f0b-b812-307b7e5a80a6" providerId="ADAL" clId="{E36D37F8-65D6-CB4E-9641-3945A964B367}" dt="2021-02-26T03:37:57.244" v="294" actId="1076"/>
+          <ac:spMkLst>
+            <pc:docMk/>
+            <pc:sldMk cId="2728145805" sldId="481"/>
+            <ac:spMk id="12" creationId="{06D35D2B-98E3-724A-BCDA-974ACAC1990A}"/>
+          </ac:spMkLst>
+        </pc:spChg>
+        <pc:spChg chg="mod">
+          <ac:chgData name="Peng, Syncher Pylon" userId="02392590-0b79-4f0b-b812-307b7e5a80a6" providerId="ADAL" clId="{E36D37F8-65D6-CB4E-9641-3945A964B367}" dt="2021-02-26T03:37:57.244" v="294" actId="1076"/>
+          <ac:spMkLst>
+            <pc:docMk/>
+            <pc:sldMk cId="2728145805" sldId="481"/>
+            <ac:spMk id="19" creationId="{88FD7C90-7E26-E248-B9BB-7B295095FBF2}"/>
+          </ac:spMkLst>
+        </pc:spChg>
+        <pc:spChg chg="mod">
+          <ac:chgData name="Peng, Syncher Pylon" userId="02392590-0b79-4f0b-b812-307b7e5a80a6" providerId="ADAL" clId="{E36D37F8-65D6-CB4E-9641-3945A964B367}" dt="2021-02-26T03:37:57.244" v="294" actId="1076"/>
+          <ac:spMkLst>
+            <pc:docMk/>
+            <pc:sldMk cId="2728145805" sldId="481"/>
+            <ac:spMk id="21" creationId="{2E669A46-4E66-F248-AAB7-6C3C2C6A81AD}"/>
+          </ac:spMkLst>
+        </pc:spChg>
+        <pc:spChg chg="mod">
+          <ac:chgData name="Peng, Syncher Pylon" userId="02392590-0b79-4f0b-b812-307b7e5a80a6" providerId="ADAL" clId="{E36D37F8-65D6-CB4E-9641-3945A964B367}" dt="2021-02-26T03:37:57.244" v="294" actId="1076"/>
+          <ac:spMkLst>
+            <pc:docMk/>
+            <pc:sldMk cId="2728145805" sldId="481"/>
+            <ac:spMk id="23" creationId="{34981B84-8D2C-3F4B-AEC1-4C80168EB4FD}"/>
+          </ac:spMkLst>
+        </pc:spChg>
+        <pc:spChg chg="mod">
+          <ac:chgData name="Peng, Syncher Pylon" userId="02392590-0b79-4f0b-b812-307b7e5a80a6" providerId="ADAL" clId="{E36D37F8-65D6-CB4E-9641-3945A964B367}" dt="2021-02-26T03:37:57.244" v="294" actId="1076"/>
+          <ac:spMkLst>
+            <pc:docMk/>
+            <pc:sldMk cId="2728145805" sldId="481"/>
+            <ac:spMk id="24" creationId="{D65E84A0-8618-3B42-B8A6-ACFAEE40F419}"/>
+          </ac:spMkLst>
+        </pc:spChg>
+        <pc:spChg chg="mod">
+          <ac:chgData name="Peng, Syncher Pylon" userId="02392590-0b79-4f0b-b812-307b7e5a80a6" providerId="ADAL" clId="{E36D37F8-65D6-CB4E-9641-3945A964B367}" dt="2021-02-26T03:37:57.244" v="294" actId="1076"/>
+          <ac:spMkLst>
+            <pc:docMk/>
+            <pc:sldMk cId="2728145805" sldId="481"/>
+            <ac:spMk id="25" creationId="{CC254CBA-5077-B243-B3F9-03B9A08E7FB3}"/>
+          </ac:spMkLst>
+        </pc:spChg>
+        <pc:picChg chg="mod">
+          <ac:chgData name="Peng, Syncher Pylon" userId="02392590-0b79-4f0b-b812-307b7e5a80a6" providerId="ADAL" clId="{E36D37F8-65D6-CB4E-9641-3945A964B367}" dt="2021-02-26T03:37:57.244" v="294" actId="1076"/>
+          <ac:picMkLst>
+            <pc:docMk/>
+            <pc:sldMk cId="2728145805" sldId="481"/>
+            <ac:picMk id="6" creationId="{784BF859-239F-D147-829C-6A5712706300}"/>
+          </ac:picMkLst>
+        </pc:picChg>
+        <pc:picChg chg="mod">
+          <ac:chgData name="Peng, Syncher Pylon" userId="02392590-0b79-4f0b-b812-307b7e5a80a6" providerId="ADAL" clId="{E36D37F8-65D6-CB4E-9641-3945A964B367}" dt="2021-02-26T03:37:57.244" v="294" actId="1076"/>
+          <ac:picMkLst>
+            <pc:docMk/>
+            <pc:sldMk cId="2728145805" sldId="481"/>
+            <ac:picMk id="22" creationId="{F0A4ADAF-8337-0245-B7BA-5DEC73E2E781}"/>
+          </ac:picMkLst>
+        </pc:picChg>
+      </pc:sldChg>
+      <pc:sldChg chg="modSp mod">
+        <pc:chgData name="Peng, Syncher Pylon" userId="02392590-0b79-4f0b-b812-307b7e5a80a6" providerId="ADAL" clId="{E36D37F8-65D6-CB4E-9641-3945A964B367}" dt="2021-02-26T09:02:22.838" v="593" actId="20577"/>
+        <pc:sldMkLst>
+          <pc:docMk/>
+          <pc:sldMk cId="2487344734" sldId="482"/>
+        </pc:sldMkLst>
+        <pc:spChg chg="mod">
+          <ac:chgData name="Peng, Syncher Pylon" userId="02392590-0b79-4f0b-b812-307b7e5a80a6" providerId="ADAL" clId="{E36D37F8-65D6-CB4E-9641-3945A964B367}" dt="2021-02-26T09:02:22.838" v="593" actId="20577"/>
+          <ac:spMkLst>
+            <pc:docMk/>
+            <pc:sldMk cId="2487344734" sldId="482"/>
+            <ac:spMk id="11" creationId="{00000000-0000-0000-0000-000000000000}"/>
+          </ac:spMkLst>
+        </pc:spChg>
+      </pc:sldChg>
+      <pc:sldChg chg="modSp mod">
+        <pc:chgData name="Peng, Syncher Pylon" userId="02392590-0b79-4f0b-b812-307b7e5a80a6" providerId="ADAL" clId="{E36D37F8-65D6-CB4E-9641-3945A964B367}" dt="2021-02-26T10:12:23.014" v="674" actId="1076"/>
+        <pc:sldMkLst>
+          <pc:docMk/>
+          <pc:sldMk cId="3874852257" sldId="483"/>
+        </pc:sldMkLst>
+        <pc:spChg chg="mod">
+          <ac:chgData name="Peng, Syncher Pylon" userId="02392590-0b79-4f0b-b812-307b7e5a80a6" providerId="ADAL" clId="{E36D37F8-65D6-CB4E-9641-3945A964B367}" dt="2021-02-26T03:38:20.625" v="310" actId="20577"/>
+          <ac:spMkLst>
+            <pc:docMk/>
+            <pc:sldMk cId="3874852257" sldId="483"/>
+            <ac:spMk id="4" creationId="{25339262-931C-674A-90A9-EA6655D73E94}"/>
+          </ac:spMkLst>
+        </pc:spChg>
+        <pc:spChg chg="mod">
+          <ac:chgData name="Peng, Syncher Pylon" userId="02392590-0b79-4f0b-b812-307b7e5a80a6" providerId="ADAL" clId="{E36D37F8-65D6-CB4E-9641-3945A964B367}" dt="2021-02-26T10:11:40.774" v="669" actId="255"/>
+          <ac:spMkLst>
+            <pc:docMk/>
+            <pc:sldMk cId="3874852257" sldId="483"/>
+            <ac:spMk id="5" creationId="{6DD49102-4D0B-C04A-A19C-0A9CCE3DF43A}"/>
+          </ac:spMkLst>
+        </pc:spChg>
+        <pc:spChg chg="mod">
+          <ac:chgData name="Peng, Syncher Pylon" userId="02392590-0b79-4f0b-b812-307b7e5a80a6" providerId="ADAL" clId="{E36D37F8-65D6-CB4E-9641-3945A964B367}" dt="2021-02-26T10:12:23.014" v="674" actId="1076"/>
+          <ac:spMkLst>
+            <pc:docMk/>
+            <pc:sldMk cId="3874852257" sldId="483"/>
+            <ac:spMk id="8" creationId="{E99829D7-CA3B-1F4C-8454-B09D048CEE17}"/>
+          </ac:spMkLst>
+        </pc:spChg>
+        <pc:spChg chg="mod">
+          <ac:chgData name="Peng, Syncher Pylon" userId="02392590-0b79-4f0b-b812-307b7e5a80a6" providerId="ADAL" clId="{E36D37F8-65D6-CB4E-9641-3945A964B367}" dt="2021-02-26T10:12:13.285" v="673" actId="14100"/>
+          <ac:spMkLst>
+            <pc:docMk/>
+            <pc:sldMk cId="3874852257" sldId="483"/>
+            <ac:spMk id="12" creationId="{1E7C865A-551E-9645-A096-6F33AE2246EF}"/>
+          </ac:spMkLst>
+        </pc:spChg>
+      </pc:sldChg>
+      <pc:sldChg chg="addSp delSp modSp mod">
+        <pc:chgData name="Peng, Syncher Pylon" userId="02392590-0b79-4f0b-b812-307b7e5a80a6" providerId="ADAL" clId="{E36D37F8-65D6-CB4E-9641-3945A964B367}" dt="2021-02-26T09:51:48.959" v="636" actId="1076"/>
+        <pc:sldMkLst>
+          <pc:docMk/>
+          <pc:sldMk cId="2979028487" sldId="484"/>
+        </pc:sldMkLst>
+        <pc:spChg chg="add mod">
+          <ac:chgData name="Peng, Syncher Pylon" userId="02392590-0b79-4f0b-b812-307b7e5a80a6" providerId="ADAL" clId="{E36D37F8-65D6-CB4E-9641-3945A964B367}" dt="2021-02-26T09:51:48.959" v="636" actId="1076"/>
+          <ac:spMkLst>
+            <pc:docMk/>
+            <pc:sldMk cId="2979028487" sldId="484"/>
+            <ac:spMk id="2" creationId="{21F5A721-C495-6F43-9BFB-1E0FBC783E9D}"/>
+          </ac:spMkLst>
+        </pc:spChg>
+        <pc:spChg chg="mod">
+          <ac:chgData name="Peng, Syncher Pylon" userId="02392590-0b79-4f0b-b812-307b7e5a80a6" providerId="ADAL" clId="{E36D37F8-65D6-CB4E-9641-3945A964B367}" dt="2021-02-26T09:03:28.202" v="608" actId="20577"/>
+          <ac:spMkLst>
+            <pc:docMk/>
+            <pc:sldMk cId="2979028487" sldId="484"/>
+            <ac:spMk id="4" creationId="{25339262-931C-674A-90A9-EA6655D73E94}"/>
+          </ac:spMkLst>
+        </pc:spChg>
+        <pc:spChg chg="mod">
+          <ac:chgData name="Peng, Syncher Pylon" userId="02392590-0b79-4f0b-b812-307b7e5a80a6" providerId="ADAL" clId="{E36D37F8-65D6-CB4E-9641-3945A964B367}" dt="2021-02-26T08:08:05.725" v="420" actId="1076"/>
+          <ac:spMkLst>
+            <pc:docMk/>
+            <pc:sldMk cId="2979028487" sldId="484"/>
+            <ac:spMk id="15" creationId="{1D2B732F-00EE-ED43-B0AB-8D35D9636497}"/>
+          </ac:spMkLst>
+        </pc:spChg>
+        <pc:picChg chg="add mod">
+          <ac:chgData name="Peng, Syncher Pylon" userId="02392590-0b79-4f0b-b812-307b7e5a80a6" providerId="ADAL" clId="{E36D37F8-65D6-CB4E-9641-3945A964B367}" dt="2021-02-26T08:07:49.915" v="418" actId="1076"/>
+          <ac:picMkLst>
+            <pc:docMk/>
+            <pc:sldMk cId="2979028487" sldId="484"/>
+            <ac:picMk id="3" creationId="{74CD6843-D679-6549-831D-A1B9D0EF1268}"/>
+          </ac:picMkLst>
+        </pc:picChg>
+        <pc:picChg chg="del">
+          <ac:chgData name="Peng, Syncher Pylon" userId="02392590-0b79-4f0b-b812-307b7e5a80a6" providerId="ADAL" clId="{E36D37F8-65D6-CB4E-9641-3945A964B367}" dt="2021-02-26T08:00:52.017" v="395" actId="478"/>
+          <ac:picMkLst>
+            <pc:docMk/>
+            <pc:sldMk cId="2979028487" sldId="484"/>
+            <ac:picMk id="12" creationId="{FAD212EE-F579-D94E-B93F-05CF6FAC373E}"/>
+          </ac:picMkLst>
+        </pc:picChg>
+        <pc:picChg chg="del">
+          <ac:chgData name="Peng, Syncher Pylon" userId="02392590-0b79-4f0b-b812-307b7e5a80a6" providerId="ADAL" clId="{E36D37F8-65D6-CB4E-9641-3945A964B367}" dt="2021-02-26T08:07:43.331" v="416" actId="478"/>
+          <ac:picMkLst>
+            <pc:docMk/>
+            <pc:sldMk cId="2979028487" sldId="484"/>
+            <ac:picMk id="13" creationId="{2B272AA3-54AD-7B4E-85D0-22453484D10B}"/>
+          </ac:picMkLst>
+        </pc:picChg>
+      </pc:sldChg>
+      <pc:sldChg chg="modSp mod">
+        <pc:chgData name="Peng, Syncher Pylon" userId="02392590-0b79-4f0b-b812-307b7e5a80a6" providerId="ADAL" clId="{E36D37F8-65D6-CB4E-9641-3945A964B367}" dt="2021-02-26T10:09:40.090" v="660" actId="20577"/>
+        <pc:sldMkLst>
+          <pc:docMk/>
+          <pc:sldMk cId="3511855043" sldId="485"/>
+        </pc:sldMkLst>
+        <pc:spChg chg="mod">
+          <ac:chgData name="Peng, Syncher Pylon" userId="02392590-0b79-4f0b-b812-307b7e5a80a6" providerId="ADAL" clId="{E36D37F8-65D6-CB4E-9641-3945A964B367}" dt="2021-02-26T10:09:40.090" v="660" actId="20577"/>
+          <ac:spMkLst>
+            <pc:docMk/>
+            <pc:sldMk cId="3511855043" sldId="485"/>
+            <ac:spMk id="11" creationId="{00000000-0000-0000-0000-000000000000}"/>
+          </ac:spMkLst>
+        </pc:spChg>
+      </pc:sldChg>
       <pc:sldChg chg="modSp add mod ord">
         <pc:chgData name="Peng, Syncher Pylon" userId="02392590-0b79-4f0b-b812-307b7e5a80a6" providerId="ADAL" clId="{E36D37F8-65D6-CB4E-9641-3945A964B367}" dt="2021-02-25T17:24:16.798" v="16" actId="20577"/>
         <pc:sldMkLst>
@@ -223,6 +544,187 @@
             <ac:spMk id="11" creationId="{00000000-0000-0000-0000-000000000000}"/>
           </ac:spMkLst>
         </pc:spChg>
+      </pc:sldChg>
+      <pc:sldChg chg="addSp delSp modSp add mod ord">
+        <pc:chgData name="Peng, Syncher Pylon" userId="02392590-0b79-4f0b-b812-307b7e5a80a6" providerId="ADAL" clId="{E36D37F8-65D6-CB4E-9641-3945A964B367}" dt="2021-02-26T10:07:18.649" v="649" actId="20577"/>
+        <pc:sldMkLst>
+          <pc:docMk/>
+          <pc:sldMk cId="2927876958" sldId="487"/>
+        </pc:sldMkLst>
+        <pc:spChg chg="mod">
+          <ac:chgData name="Peng, Syncher Pylon" userId="02392590-0b79-4f0b-b812-307b7e5a80a6" providerId="ADAL" clId="{E36D37F8-65D6-CB4E-9641-3945A964B367}" dt="2021-02-26T03:24:45.041" v="177" actId="1076"/>
+          <ac:spMkLst>
+            <pc:docMk/>
+            <pc:sldMk cId="2927876958" sldId="487"/>
+            <ac:spMk id="2" creationId="{425CA944-D98F-944F-9DA8-7BD8E994E8E4}"/>
+          </ac:spMkLst>
+        </pc:spChg>
+        <pc:spChg chg="add mod">
+          <ac:chgData name="Peng, Syncher Pylon" userId="02392590-0b79-4f0b-b812-307b7e5a80a6" providerId="ADAL" clId="{E36D37F8-65D6-CB4E-9641-3945A964B367}" dt="2021-02-26T03:27:01.388" v="286" actId="14100"/>
+          <ac:spMkLst>
+            <pc:docMk/>
+            <pc:sldMk cId="2927876958" sldId="487"/>
+            <ac:spMk id="3" creationId="{5AE7306D-FB36-604E-81AB-B98C0128983D}"/>
+          </ac:spMkLst>
+        </pc:spChg>
+        <pc:spChg chg="mod">
+          <ac:chgData name="Peng, Syncher Pylon" userId="02392590-0b79-4f0b-b812-307b7e5a80a6" providerId="ADAL" clId="{E36D37F8-65D6-CB4E-9641-3945A964B367}" dt="2021-02-26T10:07:18.649" v="649" actId="20577"/>
+          <ac:spMkLst>
+            <pc:docMk/>
+            <pc:sldMk cId="2927876958" sldId="487"/>
+            <ac:spMk id="4" creationId="{25339262-931C-674A-90A9-EA6655D73E94}"/>
+          </ac:spMkLst>
+        </pc:spChg>
+        <pc:spChg chg="del">
+          <ac:chgData name="Peng, Syncher Pylon" userId="02392590-0b79-4f0b-b812-307b7e5a80a6" providerId="ADAL" clId="{E36D37F8-65D6-CB4E-9641-3945A964B367}" dt="2021-02-26T03:24:34.993" v="174" actId="478"/>
+          <ac:spMkLst>
+            <pc:docMk/>
+            <pc:sldMk cId="2927876958" sldId="487"/>
+            <ac:spMk id="12" creationId="{06D35D2B-98E3-724A-BCDA-974ACAC1990A}"/>
+          </ac:spMkLst>
+        </pc:spChg>
+        <pc:spChg chg="add del mod">
+          <ac:chgData name="Peng, Syncher Pylon" userId="02392590-0b79-4f0b-b812-307b7e5a80a6" providerId="ADAL" clId="{E36D37F8-65D6-CB4E-9641-3945A964B367}" dt="2021-02-26T03:25:18.570" v="182" actId="478"/>
+          <ac:spMkLst>
+            <pc:docMk/>
+            <pc:sldMk cId="2927876958" sldId="487"/>
+            <ac:spMk id="13" creationId="{CAA47055-3C52-CC44-95E2-53025DE19959}"/>
+          </ac:spMkLst>
+        </pc:spChg>
+        <pc:spChg chg="del">
+          <ac:chgData name="Peng, Syncher Pylon" userId="02392590-0b79-4f0b-b812-307b7e5a80a6" providerId="ADAL" clId="{E36D37F8-65D6-CB4E-9641-3945A964B367}" dt="2021-02-26T03:24:34.993" v="174" actId="478"/>
+          <ac:spMkLst>
+            <pc:docMk/>
+            <pc:sldMk cId="2927876958" sldId="487"/>
+            <ac:spMk id="19" creationId="{88FD7C90-7E26-E248-B9BB-7B295095FBF2}"/>
+          </ac:spMkLst>
+        </pc:spChg>
+        <pc:spChg chg="del">
+          <ac:chgData name="Peng, Syncher Pylon" userId="02392590-0b79-4f0b-b812-307b7e5a80a6" providerId="ADAL" clId="{E36D37F8-65D6-CB4E-9641-3945A964B367}" dt="2021-02-26T03:24:34.993" v="174" actId="478"/>
+          <ac:spMkLst>
+            <pc:docMk/>
+            <pc:sldMk cId="2927876958" sldId="487"/>
+            <ac:spMk id="21" creationId="{2E669A46-4E66-F248-AAB7-6C3C2C6A81AD}"/>
+          </ac:spMkLst>
+        </pc:spChg>
+        <pc:spChg chg="del">
+          <ac:chgData name="Peng, Syncher Pylon" userId="02392590-0b79-4f0b-b812-307b7e5a80a6" providerId="ADAL" clId="{E36D37F8-65D6-CB4E-9641-3945A964B367}" dt="2021-02-26T03:24:34.993" v="174" actId="478"/>
+          <ac:spMkLst>
+            <pc:docMk/>
+            <pc:sldMk cId="2927876958" sldId="487"/>
+            <ac:spMk id="23" creationId="{34981B84-8D2C-3F4B-AEC1-4C80168EB4FD}"/>
+          </ac:spMkLst>
+        </pc:spChg>
+        <pc:spChg chg="del">
+          <ac:chgData name="Peng, Syncher Pylon" userId="02392590-0b79-4f0b-b812-307b7e5a80a6" providerId="ADAL" clId="{E36D37F8-65D6-CB4E-9641-3945A964B367}" dt="2021-02-26T03:24:34.993" v="174" actId="478"/>
+          <ac:spMkLst>
+            <pc:docMk/>
+            <pc:sldMk cId="2927876958" sldId="487"/>
+            <ac:spMk id="24" creationId="{D65E84A0-8618-3B42-B8A6-ACFAEE40F419}"/>
+          </ac:spMkLst>
+        </pc:spChg>
+        <pc:spChg chg="del">
+          <ac:chgData name="Peng, Syncher Pylon" userId="02392590-0b79-4f0b-b812-307b7e5a80a6" providerId="ADAL" clId="{E36D37F8-65D6-CB4E-9641-3945A964B367}" dt="2021-02-26T03:24:34.993" v="174" actId="478"/>
+          <ac:spMkLst>
+            <pc:docMk/>
+            <pc:sldMk cId="2927876958" sldId="487"/>
+            <ac:spMk id="25" creationId="{CC254CBA-5077-B243-B3F9-03B9A08E7FB3}"/>
+          </ac:spMkLst>
+        </pc:spChg>
+        <pc:picChg chg="del">
+          <ac:chgData name="Peng, Syncher Pylon" userId="02392590-0b79-4f0b-b812-307b7e5a80a6" providerId="ADAL" clId="{E36D37F8-65D6-CB4E-9641-3945A964B367}" dt="2021-02-26T03:24:34.993" v="174" actId="478"/>
+          <ac:picMkLst>
+            <pc:docMk/>
+            <pc:sldMk cId="2927876958" sldId="487"/>
+            <ac:picMk id="6" creationId="{784BF859-239F-D147-829C-6A5712706300}"/>
+          </ac:picMkLst>
+        </pc:picChg>
+        <pc:picChg chg="del">
+          <ac:chgData name="Peng, Syncher Pylon" userId="02392590-0b79-4f0b-b812-307b7e5a80a6" providerId="ADAL" clId="{E36D37F8-65D6-CB4E-9641-3945A964B367}" dt="2021-02-26T03:24:36.519" v="175" actId="478"/>
+          <ac:picMkLst>
+            <pc:docMk/>
+            <pc:sldMk cId="2927876958" sldId="487"/>
+            <ac:picMk id="22" creationId="{F0A4ADAF-8337-0245-B7BA-5DEC73E2E781}"/>
+          </ac:picMkLst>
+        </pc:picChg>
+      </pc:sldChg>
+      <pc:sldChg chg="addSp delSp modSp add mod ord delAnim modAnim">
+        <pc:chgData name="Peng, Syncher Pylon" userId="02392590-0b79-4f0b-b812-307b7e5a80a6" providerId="ADAL" clId="{E36D37F8-65D6-CB4E-9641-3945A964B367}" dt="2021-02-26T10:11:03.637" v="667" actId="1076"/>
+        <pc:sldMkLst>
+          <pc:docMk/>
+          <pc:sldMk cId="1042436855" sldId="488"/>
+        </pc:sldMkLst>
+        <pc:spChg chg="mod">
+          <ac:chgData name="Peng, Syncher Pylon" userId="02392590-0b79-4f0b-b812-307b7e5a80a6" providerId="ADAL" clId="{E36D37F8-65D6-CB4E-9641-3945A964B367}" dt="2021-02-26T09:03:18.555" v="600" actId="20577"/>
+          <ac:spMkLst>
+            <pc:docMk/>
+            <pc:sldMk cId="1042436855" sldId="488"/>
+            <ac:spMk id="4" creationId="{25339262-931C-674A-90A9-EA6655D73E94}"/>
+          </ac:spMkLst>
+        </pc:spChg>
+        <pc:picChg chg="del">
+          <ac:chgData name="Peng, Syncher Pylon" userId="02392590-0b79-4f0b-b812-307b7e5a80a6" providerId="ADAL" clId="{E36D37F8-65D6-CB4E-9641-3945A964B367}" dt="2021-02-26T08:43:27.373" v="548" actId="478"/>
+          <ac:picMkLst>
+            <pc:docMk/>
+            <pc:sldMk cId="1042436855" sldId="488"/>
+            <ac:picMk id="2" creationId="{D95CB1F7-A83C-E441-BE11-F9FA3C09E5E6}"/>
+          </ac:picMkLst>
+        </pc:picChg>
+        <pc:picChg chg="add del mod">
+          <ac:chgData name="Peng, Syncher Pylon" userId="02392590-0b79-4f0b-b812-307b7e5a80a6" providerId="ADAL" clId="{E36D37F8-65D6-CB4E-9641-3945A964B367}" dt="2021-02-26T08:57:51.681" v="553" actId="478"/>
+          <ac:picMkLst>
+            <pc:docMk/>
+            <pc:sldMk cId="1042436855" sldId="488"/>
+            <ac:picMk id="3" creationId="{E20520A1-AA9D-DB4B-96F6-77E733270438}"/>
+          </ac:picMkLst>
+        </pc:picChg>
+        <pc:picChg chg="add mod">
+          <ac:chgData name="Peng, Syncher Pylon" userId="02392590-0b79-4f0b-b812-307b7e5a80a6" providerId="ADAL" clId="{E36D37F8-65D6-CB4E-9641-3945A964B367}" dt="2021-02-26T10:10:33.227" v="663" actId="1076"/>
+          <ac:picMkLst>
+            <pc:docMk/>
+            <pc:sldMk cId="1042436855" sldId="488"/>
+            <ac:picMk id="5" creationId="{B0EDE902-4B89-CD45-A0C3-5E52ABDD1B3C}"/>
+          </ac:picMkLst>
+        </pc:picChg>
+        <pc:picChg chg="add del mod">
+          <ac:chgData name="Peng, Syncher Pylon" userId="02392590-0b79-4f0b-b812-307b7e5a80a6" providerId="ADAL" clId="{E36D37F8-65D6-CB4E-9641-3945A964B367}" dt="2021-02-26T10:11:00.176" v="665" actId="478"/>
+          <ac:picMkLst>
+            <pc:docMk/>
+            <pc:sldMk cId="1042436855" sldId="488"/>
+            <ac:picMk id="6" creationId="{85F52779-FAEF-3B4C-A2AE-12BAC5D72831}"/>
+          </ac:picMkLst>
+        </pc:picChg>
+        <pc:picChg chg="add mod">
+          <ac:chgData name="Peng, Syncher Pylon" userId="02392590-0b79-4f0b-b812-307b7e5a80a6" providerId="ADAL" clId="{E36D37F8-65D6-CB4E-9641-3945A964B367}" dt="2021-02-26T10:11:03.637" v="667" actId="1076"/>
+          <ac:picMkLst>
+            <pc:docMk/>
+            <pc:sldMk cId="1042436855" sldId="488"/>
+            <ac:picMk id="7" creationId="{DFCAC835-D4C8-8A43-8F67-013FE1B2FB0D}"/>
+          </ac:picMkLst>
+        </pc:picChg>
+      </pc:sldChg>
+      <pc:sldChg chg="delSp modSp add mod">
+        <pc:chgData name="Peng, Syncher Pylon" userId="02392590-0b79-4f0b-b812-307b7e5a80a6" providerId="ADAL" clId="{E36D37F8-65D6-CB4E-9641-3945A964B367}" dt="2021-02-26T09:26:40.260" v="628" actId="1076"/>
+        <pc:sldMkLst>
+          <pc:docMk/>
+          <pc:sldMk cId="1765640273" sldId="489"/>
+        </pc:sldMkLst>
+        <pc:spChg chg="del">
+          <ac:chgData name="Peng, Syncher Pylon" userId="02392590-0b79-4f0b-b812-307b7e5a80a6" providerId="ADAL" clId="{E36D37F8-65D6-CB4E-9641-3945A964B367}" dt="2021-02-26T09:09:08.517" v="613" actId="478"/>
+          <ac:spMkLst>
+            <pc:docMk/>
+            <pc:sldMk cId="1765640273" sldId="489"/>
+            <ac:spMk id="3" creationId="{1A9B921C-3578-894D-BDA4-6109043A2CB4}"/>
+          </ac:spMkLst>
+        </pc:spChg>
+        <pc:picChg chg="mod">
+          <ac:chgData name="Peng, Syncher Pylon" userId="02392590-0b79-4f0b-b812-307b7e5a80a6" providerId="ADAL" clId="{E36D37F8-65D6-CB4E-9641-3945A964B367}" dt="2021-02-26T09:26:40.260" v="628" actId="1076"/>
+          <ac:picMkLst>
+            <pc:docMk/>
+            <pc:sldMk cId="1765640273" sldId="489"/>
+            <ac:picMk id="2" creationId="{ED36501E-7DCE-4844-916A-7A877A1F3139}"/>
+          </ac:picMkLst>
+        </pc:picChg>
       </pc:sldChg>
     </pc:docChg>
   </pc:docChgLst>
@@ -11524,6 +12026,119 @@
     </p:spTree>
     <p:extLst>
       <p:ext uri="{BB962C8B-B14F-4D97-AF65-F5344CB8AC3E}">
+        <p14:creationId xmlns:p14="http://schemas.microsoft.com/office/powerpoint/2010/main" val="2226898212"/>
+      </p:ext>
+    </p:extLst>
+  </p:cSld>
+  <p:clrMapOvr>
+    <a:masterClrMapping/>
+  </p:clrMapOvr>
+</p:notes>
+</file>
+
+<file path=ppt/notesSlides/notesSlide7.xml><?xml version="1.0" encoding="utf-8"?>
+<p:notes xmlns:a="http://schemas.openxmlformats.org/drawingml/2006/main" xmlns:r="http://schemas.openxmlformats.org/officeDocument/2006/relationships" xmlns:p="http://schemas.openxmlformats.org/presentationml/2006/main">
+  <p:cSld>
+    <p:spTree>
+      <p:nvGrpSpPr>
+        <p:cNvPr id="1" name=""/>
+        <p:cNvGrpSpPr/>
+        <p:nvPr/>
+      </p:nvGrpSpPr>
+      <p:grpSpPr>
+        <a:xfrm>
+          <a:off x="0" y="0"/>
+          <a:ext cx="0" cy="0"/>
+          <a:chOff x="0" y="0"/>
+          <a:chExt cx="0" cy="0"/>
+        </a:xfrm>
+      </p:grpSpPr>
+      <p:sp>
+        <p:nvSpPr>
+          <p:cNvPr id="2" name="Slide Image Placeholder 1"/>
+          <p:cNvSpPr>
+            <a:spLocks noGrp="1" noRot="1" noChangeAspect="1"/>
+          </p:cNvSpPr>
+          <p:nvPr>
+            <p:ph type="sldImg"/>
+          </p:nvPr>
+        </p:nvSpPr>
+        <p:spPr/>
+      </p:sp>
+      <p:sp>
+        <p:nvSpPr>
+          <p:cNvPr id="3" name="Notes Placeholder 2"/>
+          <p:cNvSpPr>
+            <a:spLocks noGrp="1"/>
+          </p:cNvSpPr>
+          <p:nvPr>
+            <p:ph type="body" idx="1"/>
+          </p:nvPr>
+        </p:nvSpPr>
+        <p:spPr/>
+        <p:txBody>
+          <a:bodyPr/>
+          <a:lstStyle/>
+          <a:p>
+            <a:r>
+              <a:rPr lang="en-CN" dirty="0"/>
+              <a:t>AST</a:t>
+            </a:r>
+            <a:r>
+              <a:rPr lang="zh-CN" altLang="en-US" dirty="0"/>
+              <a:t> 有什么特点</a:t>
+            </a:r>
+            <a:r>
+              <a:rPr lang="en-US" altLang="zh-CN" dirty="0"/>
+              <a:t>?</a:t>
+            </a:r>
+            <a:r>
+              <a:rPr lang="zh-CN" altLang="en-US" dirty="0"/>
+              <a:t> 有了 </a:t>
+            </a:r>
+            <a:r>
+              <a:rPr lang="en-US" altLang="zh-CN" dirty="0"/>
+              <a:t>AST</a:t>
+            </a:r>
+            <a:r>
+              <a:rPr lang="zh-CN" altLang="en-US" dirty="0"/>
+              <a:t> 我们可以做什么</a:t>
+            </a:r>
+            <a:r>
+              <a:rPr lang="en-US" altLang="zh-CN" dirty="0"/>
+              <a:t>?</a:t>
+            </a:r>
+            <a:endParaRPr lang="en-CN" dirty="0"/>
+          </a:p>
+        </p:txBody>
+      </p:sp>
+      <p:sp>
+        <p:nvSpPr>
+          <p:cNvPr id="4" name="Slide Number Placeholder 3"/>
+          <p:cNvSpPr>
+            <a:spLocks noGrp="1"/>
+          </p:cNvSpPr>
+          <p:nvPr>
+            <p:ph type="sldNum" sz="quarter" idx="5"/>
+          </p:nvPr>
+        </p:nvSpPr>
+        <p:spPr/>
+        <p:txBody>
+          <a:bodyPr/>
+          <a:lstStyle/>
+          <a:p>
+            <a:fld id="{7D8C2C35-2B8A-446E-BEC0-FD36716C29AC}" type="slidenum">
+              <a:rPr lang="de-DE" smtClean="0"/>
+              <a:pPr/>
+              <a:t>14</a:t>
+            </a:fld>
+            <a:endParaRPr lang="de-DE"/>
+          </a:p>
+        </p:txBody>
+      </p:sp>
+    </p:spTree>
+    <p:extLst>
+      <p:ext uri="{BB962C8B-B14F-4D97-AF65-F5344CB8AC3E}">
         <p14:creationId xmlns:p14="http://schemas.microsoft.com/office/powerpoint/2010/main" val="3720295604"/>
       </p:ext>
     </p:extLst>
@@ -11534,7 +12149,7 @@
 </p:notes>
 </file>
 
-<file path=ppt/notesSlides/notesSlide7.xml><?xml version="1.0" encoding="utf-8"?>
+<file path=ppt/notesSlides/notesSlide8.xml><?xml version="1.0" encoding="utf-8"?>
 <p:notes xmlns:a="http://schemas.openxmlformats.org/drawingml/2006/main" xmlns:r="http://schemas.openxmlformats.org/officeDocument/2006/relationships" xmlns:p="http://schemas.openxmlformats.org/presentationml/2006/main">
   <p:cSld>
     <p:spTree>
@@ -11600,7 +12215,7 @@
             <a:fld id="{7D8C2C35-2B8A-446E-BEC0-FD36716C29AC}" type="slidenum">
               <a:rPr lang="de-DE" smtClean="0"/>
               <a:pPr/>
-              <a:t>20</a:t>
+              <a:t>23</a:t>
             </a:fld>
             <a:endParaRPr lang="de-DE"/>
           </a:p>
@@ -19911,6 +20526,157 @@
   <p:clrMapOvr>
     <a:masterClrMapping/>
   </p:clrMapOvr>
+  <p:timing>
+    <p:tnLst>
+      <p:par>
+        <p:cTn id="1" dur="indefinite" restart="never" nodeType="tmRoot">
+          <p:childTnLst>
+            <p:seq concurrent="1" nextAc="seek">
+              <p:cTn id="2" dur="indefinite" nodeType="mainSeq">
+                <p:childTnLst>
+                  <p:par>
+                    <p:cTn id="3" fill="hold">
+                      <p:stCondLst>
+                        <p:cond delay="indefinite"/>
+                      </p:stCondLst>
+                      <p:childTnLst>
+                        <p:par>
+                          <p:cTn id="4" fill="hold">
+                            <p:stCondLst>
+                              <p:cond delay="0"/>
+                            </p:stCondLst>
+                            <p:childTnLst>
+                              <p:par>
+                                <p:cTn id="5" presetID="1" presetClass="entr" presetSubtype="0" fill="hold" grpId="0" nodeType="clickEffect">
+                                  <p:stCondLst>
+                                    <p:cond delay="0"/>
+                                  </p:stCondLst>
+                                  <p:childTnLst>
+                                    <p:set>
+                                      <p:cBhvr>
+                                        <p:cTn id="6" dur="1" fill="hold">
+                                          <p:stCondLst>
+                                            <p:cond delay="0"/>
+                                          </p:stCondLst>
+                                        </p:cTn>
+                                        <p:tgtEl>
+                                          <p:spTgt spid="5"/>
+                                        </p:tgtEl>
+                                        <p:attrNameLst>
+                                          <p:attrName>style.visibility</p:attrName>
+                                        </p:attrNameLst>
+                                      </p:cBhvr>
+                                      <p:to>
+                                        <p:strVal val="visible"/>
+                                      </p:to>
+                                    </p:set>
+                                  </p:childTnLst>
+                                </p:cTn>
+                              </p:par>
+                              <p:par>
+                                <p:cTn id="7" presetID="1" presetClass="entr" presetSubtype="0" fill="hold" nodeType="withEffect">
+                                  <p:stCondLst>
+                                    <p:cond delay="0"/>
+                                  </p:stCondLst>
+                                  <p:childTnLst>
+                                    <p:set>
+                                      <p:cBhvr>
+                                        <p:cTn id="8" dur="1" fill="hold">
+                                          <p:stCondLst>
+                                            <p:cond delay="0"/>
+                                          </p:stCondLst>
+                                        </p:cTn>
+                                        <p:tgtEl>
+                                          <p:spTgt spid="3"/>
+                                        </p:tgtEl>
+                                        <p:attrNameLst>
+                                          <p:attrName>style.visibility</p:attrName>
+                                        </p:attrNameLst>
+                                      </p:cBhvr>
+                                      <p:to>
+                                        <p:strVal val="visible"/>
+                                      </p:to>
+                                    </p:set>
+                                  </p:childTnLst>
+                                </p:cTn>
+                              </p:par>
+                            </p:childTnLst>
+                          </p:cTn>
+                        </p:par>
+                      </p:childTnLst>
+                    </p:cTn>
+                  </p:par>
+                  <p:par>
+                    <p:cTn id="9" fill="hold">
+                      <p:stCondLst>
+                        <p:cond delay="indefinite"/>
+                      </p:stCondLst>
+                      <p:childTnLst>
+                        <p:par>
+                          <p:cTn id="10" fill="hold">
+                            <p:stCondLst>
+                              <p:cond delay="0"/>
+                            </p:stCondLst>
+                            <p:childTnLst>
+                              <p:par>
+                                <p:cTn id="11" presetID="1" presetClass="entr" presetSubtype="0" fill="hold" grpId="0" nodeType="clickEffect">
+                                  <p:stCondLst>
+                                    <p:cond delay="0"/>
+                                  </p:stCondLst>
+                                  <p:childTnLst>
+                                    <p:set>
+                                      <p:cBhvr>
+                                        <p:cTn id="12" dur="1" fill="hold">
+                                          <p:stCondLst>
+                                            <p:cond delay="0"/>
+                                          </p:stCondLst>
+                                        </p:cTn>
+                                        <p:tgtEl>
+                                          <p:spTgt spid="7"/>
+                                        </p:tgtEl>
+                                        <p:attrNameLst>
+                                          <p:attrName>style.visibility</p:attrName>
+                                        </p:attrNameLst>
+                                      </p:cBhvr>
+                                      <p:to>
+                                        <p:strVal val="visible"/>
+                                      </p:to>
+                                    </p:set>
+                                  </p:childTnLst>
+                                </p:cTn>
+                              </p:par>
+                            </p:childTnLst>
+                          </p:cTn>
+                        </p:par>
+                      </p:childTnLst>
+                    </p:cTn>
+                  </p:par>
+                </p:childTnLst>
+              </p:cTn>
+              <p:prevCondLst>
+                <p:cond evt="onPrev" delay="0">
+                  <p:tgtEl>
+                    <p:sldTgt/>
+                  </p:tgtEl>
+                </p:cond>
+              </p:prevCondLst>
+              <p:nextCondLst>
+                <p:cond evt="onNext" delay="0">
+                  <p:tgtEl>
+                    <p:sldTgt/>
+                  </p:tgtEl>
+                </p:cond>
+              </p:nextCondLst>
+            </p:seq>
+          </p:childTnLst>
+        </p:cTn>
+      </p:par>
+    </p:tnLst>
+    <p:bldLst>
+      <p:bldP spid="5" grpId="0"/>
+      <p:bldP spid="7" grpId="0" animBg="1"/>
+    </p:bldLst>
+  </p:timing>
 </p:sld>
 </file>
 
@@ -19997,31 +20763,7 @@
                 </a:solidFill>
                 <a:latin typeface="+mn-lt"/>
               </a:rPr>
-              <a:t>1</a:t>
-            </a:r>
-            <a:r>
-              <a:rPr lang="zh-CN" altLang="en-US" dirty="0">
-                <a:solidFill>
-                  <a:schemeClr val="tx1">
-                    <a:lumMod val="75000"/>
-                    <a:lumOff val="25000"/>
-                  </a:schemeClr>
-                </a:solidFill>
-                <a:latin typeface="+mn-lt"/>
-              </a:rPr>
-              <a:t> </a:t>
-            </a:r>
-            <a:r>
-              <a:rPr lang="en-US" altLang="zh-CN" dirty="0">
-                <a:solidFill>
-                  <a:schemeClr val="tx1">
-                    <a:lumMod val="75000"/>
-                    <a:lumOff val="25000"/>
-                  </a:schemeClr>
-                </a:solidFill>
-                <a:latin typeface="+mn-lt"/>
-              </a:rPr>
-              <a:t>Parser =&gt; AST</a:t>
+              <a:t>1 Language</a:t>
             </a:r>
             <a:endParaRPr lang="en-PH" dirty="0">
               <a:solidFill>
@@ -20049,8 +20791,8 @@
         </p:nvSpPr>
         <p:spPr bwMode="gray">
           <a:xfrm>
-            <a:off x="716288" y="892048"/>
-            <a:ext cx="10775852" cy="956603"/>
+            <a:off x="709661" y="1385668"/>
+            <a:ext cx="10775852" cy="1892103"/>
           </a:xfrm>
           <a:prstGeom prst="rect">
             <a:avLst/>
@@ -20071,9 +20813,270 @@
           <a:p>
             <a:r>
               <a:rPr lang="en-US" dirty="0"/>
-              <a:t>A language is a set of valid sentences, a sentence is made up of phrases, and a phrase is made up of subphrases and vocabulary symbols. </a:t>
-            </a:r>
-            <a:endParaRPr lang="en-US" sz="1800" dirty="0"/>
+              <a:t>&gt;&gt; A language is a set of valid sentences, a sentence is made up of phrases, and a phrase is made up of subphrases and vocabulary symbols. </a:t>
+            </a:r>
+          </a:p>
+          <a:p>
+            <a:r>
+              <a:rPr lang="en-US" dirty="0"/>
+              <a:t>&gt;&gt; A grammar is just a set of rules, each one expressing the structure of a phrase.</a:t>
+            </a:r>
+          </a:p>
+          <a:p>
+            <a:pPr algn="r"/>
+            <a:r>
+              <a:rPr lang="en-US" dirty="0"/>
+              <a:t>From: &lt;The Definitive ANTRL4 Reference&gt; </a:t>
+            </a:r>
+          </a:p>
+          <a:p>
+            <a:endParaRPr lang="en-US" dirty="0"/>
+          </a:p>
+        </p:txBody>
+      </p:sp>
+      <p:sp>
+        <p:nvSpPr>
+          <p:cNvPr id="3" name="Rectangle 2">
+            <a:extLst>
+              <a:ext uri="{FF2B5EF4-FFF2-40B4-BE49-F238E27FC236}">
+                <a16:creationId xmlns:a16="http://schemas.microsoft.com/office/drawing/2014/main" id="{5AE7306D-FB36-604E-81AB-B98C0128983D}"/>
+              </a:ext>
+            </a:extLst>
+          </p:cNvPr>
+          <p:cNvSpPr/>
+          <p:nvPr/>
+        </p:nvSpPr>
+        <p:spPr bwMode="gray">
+          <a:xfrm>
+            <a:off x="709661" y="4375053"/>
+            <a:ext cx="10775852" cy="900332"/>
+          </a:xfrm>
+          <a:prstGeom prst="rect">
+            <a:avLst/>
+          </a:prstGeom>
+          <a:noFill/>
+          <a:ln w="25400" algn="ctr">
+            <a:solidFill>
+              <a:schemeClr val="tx1"/>
+            </a:solidFill>
+            <a:miter lim="800000"/>
+            <a:headEnd/>
+            <a:tailEnd/>
+          </a:ln>
+        </p:spPr>
+        <p:txBody>
+          <a:bodyPr lIns="90000" tIns="72000" rIns="90000" bIns="72000" rtlCol="0" anchor="ctr"/>
+          <a:lstStyle/>
+          <a:p>
+            <a:pPr marR="0" algn="ctr" defTabSz="914400" eaLnBrk="1" fontAlgn="base" latinLnBrk="0" hangingPunct="1">
+              <a:lnSpc>
+                <a:spcPct val="100000"/>
+              </a:lnSpc>
+              <a:spcBef>
+                <a:spcPct val="50000"/>
+              </a:spcBef>
+              <a:spcAft>
+                <a:spcPct val="0"/>
+              </a:spcAft>
+              <a:buClr>
+                <a:srgbClr val="F0AB00"/>
+              </a:buClr>
+              <a:buSzPct val="80000"/>
+              <a:tabLst/>
+            </a:pPr>
+            <a:r>
+              <a:rPr lang="en-CN" sz="1800" kern="0" dirty="0">
+                <a:ea typeface="Arial Unicode MS" pitchFamily="34" charset="-128"/>
+                <a:cs typeface="Arial Unicode MS" pitchFamily="34" charset="-128"/>
+              </a:rPr>
+              <a:t>语言</a:t>
+            </a:r>
+            <a:r>
+              <a:rPr lang="zh-CN" altLang="en-US" sz="1800" kern="0" dirty="0">
+                <a:ea typeface="Arial Unicode MS" pitchFamily="34" charset="-128"/>
+                <a:cs typeface="Arial Unicode MS" pitchFamily="34" charset="-128"/>
+              </a:rPr>
+              <a:t> </a:t>
+            </a:r>
+            <a:r>
+              <a:rPr lang="en-US" altLang="zh-CN" sz="1800" kern="0" dirty="0">
+                <a:ea typeface="Arial Unicode MS" pitchFamily="34" charset="-128"/>
+                <a:cs typeface="Arial Unicode MS" pitchFamily="34" charset="-128"/>
+              </a:rPr>
+              <a:t>=</a:t>
+            </a:r>
+            <a:r>
+              <a:rPr lang="zh-CN" altLang="en-US" sz="1800" kern="0" dirty="0">
+                <a:ea typeface="Arial Unicode MS" pitchFamily="34" charset="-128"/>
+                <a:cs typeface="Arial Unicode MS" pitchFamily="34" charset="-128"/>
+              </a:rPr>
+              <a:t> 词语</a:t>
+            </a:r>
+            <a:r>
+              <a:rPr lang="en-US" altLang="zh-CN" sz="1800" kern="0" dirty="0">
+                <a:ea typeface="Arial Unicode MS" pitchFamily="34" charset="-128"/>
+                <a:cs typeface="Arial Unicode MS" pitchFamily="34" charset="-128"/>
+              </a:rPr>
+              <a:t>(Tokens) + </a:t>
+            </a:r>
+            <a:r>
+              <a:rPr lang="zh-CN" altLang="en-US" sz="1800" kern="0" dirty="0">
+                <a:ea typeface="Arial Unicode MS" pitchFamily="34" charset="-128"/>
+                <a:cs typeface="Arial Unicode MS" pitchFamily="34" charset="-128"/>
+              </a:rPr>
+              <a:t>语法</a:t>
+            </a:r>
+            <a:r>
+              <a:rPr lang="en-US" altLang="zh-CN" sz="1800" kern="0" dirty="0">
+                <a:ea typeface="Arial Unicode MS" pitchFamily="34" charset="-128"/>
+                <a:cs typeface="Arial Unicode MS" pitchFamily="34" charset="-128"/>
+              </a:rPr>
+              <a:t>(Grammar)</a:t>
+            </a:r>
+            <a:endParaRPr kumimoji="0" lang="en-CN" sz="1800" b="0" i="0" u="none" strike="noStrike" kern="0" cap="none" spc="0" normalizeH="0" baseline="0" noProof="0" dirty="0" err="1">
+              <a:ln>
+                <a:noFill/>
+              </a:ln>
+              <a:effectLst/>
+              <a:uLnTx/>
+              <a:uFillTx/>
+              <a:ea typeface="Arial Unicode MS" pitchFamily="34" charset="-128"/>
+              <a:cs typeface="Arial Unicode MS" pitchFamily="34" charset="-128"/>
+            </a:endParaRPr>
+          </a:p>
+        </p:txBody>
+      </p:sp>
+    </p:spTree>
+    <p:extLst>
+      <p:ext uri="{BB962C8B-B14F-4D97-AF65-F5344CB8AC3E}">
+        <p14:creationId xmlns:p14="http://schemas.microsoft.com/office/powerpoint/2010/main" val="2927876958"/>
+      </p:ext>
+    </p:extLst>
+  </p:cSld>
+  <p:clrMapOvr>
+    <a:masterClrMapping/>
+  </p:clrMapOvr>
+</p:sld>
+</file>
+
+<file path=ppt/slides/slide14.xml><?xml version="1.0" encoding="utf-8"?>
+<p:sld xmlns:a="http://schemas.openxmlformats.org/drawingml/2006/main" xmlns:r="http://schemas.openxmlformats.org/officeDocument/2006/relationships" xmlns:p="http://schemas.openxmlformats.org/presentationml/2006/main">
+  <p:cSld>
+    <p:spTree>
+      <p:nvGrpSpPr>
+        <p:cNvPr id="1" name=""/>
+        <p:cNvGrpSpPr/>
+        <p:nvPr/>
+      </p:nvGrpSpPr>
+      <p:grpSpPr>
+        <a:xfrm>
+          <a:off x="0" y="0"/>
+          <a:ext cx="0" cy="0"/>
+          <a:chOff x="0" y="0"/>
+          <a:chExt cx="0" cy="0"/>
+        </a:xfrm>
+      </p:grpSpPr>
+      <p:sp>
+        <p:nvSpPr>
+          <p:cNvPr id="4" name="Title 1">
+            <a:extLst>
+              <a:ext uri="{FF2B5EF4-FFF2-40B4-BE49-F238E27FC236}">
+                <a16:creationId xmlns:a16="http://schemas.microsoft.com/office/drawing/2014/main" id="{25339262-931C-674A-90A9-EA6655D73E94}"/>
+              </a:ext>
+            </a:extLst>
+          </p:cNvPr>
+          <p:cNvSpPr txBox="1">
+            <a:spLocks/>
+          </p:cNvSpPr>
+          <p:nvPr/>
+        </p:nvSpPr>
+        <p:spPr bwMode="black">
+          <a:xfrm>
+            <a:off x="1724371" y="166346"/>
+            <a:ext cx="8759687" cy="369332"/>
+          </a:xfrm>
+          <a:prstGeom prst="rect">
+            <a:avLst/>
+          </a:prstGeom>
+        </p:spPr>
+        <p:txBody>
+          <a:bodyPr vert="horz" wrap="square" lIns="0" tIns="0" rIns="0" bIns="0" rtlCol="0" anchor="t" anchorCtr="0">
+            <a:spAutoFit/>
+          </a:bodyPr>
+          <a:lstStyle>
+            <a:lvl1pPr algn="l" defTabSz="1088558" rtl="0" eaLnBrk="1" latinLnBrk="0" hangingPunct="1">
+              <a:spcBef>
+                <a:spcPct val="0"/>
+              </a:spcBef>
+              <a:buNone/>
+              <a:defRPr sz="2400" b="1" kern="1200" baseline="0">
+                <a:solidFill>
+                  <a:schemeClr val="tx1"/>
+                </a:solidFill>
+                <a:latin typeface="+mj-lt"/>
+                <a:ea typeface="+mj-ea"/>
+                <a:cs typeface="+mj-cs"/>
+              </a:defRPr>
+            </a:lvl1pPr>
+          </a:lstStyle>
+          <a:p>
+            <a:r>
+              <a:rPr lang="en-PH" dirty="0">
+                <a:solidFill>
+                  <a:schemeClr val="tx1">
+                    <a:lumMod val="75000"/>
+                    <a:lumOff val="25000"/>
+                  </a:schemeClr>
+                </a:solidFill>
+                <a:latin typeface="+mn-lt"/>
+              </a:rPr>
+              <a:t>2.</a:t>
+            </a:r>
+            <a:r>
+              <a:rPr lang="en-US" dirty="0">
+                <a:solidFill>
+                  <a:schemeClr val="tx1">
+                    <a:lumMod val="75000"/>
+                    <a:lumOff val="25000"/>
+                  </a:schemeClr>
+                </a:solidFill>
+                <a:latin typeface="+mn-lt"/>
+              </a:rPr>
+              <a:t>2</a:t>
+            </a:r>
+            <a:r>
+              <a:rPr lang="zh-CN" altLang="en-US" dirty="0">
+                <a:solidFill>
+                  <a:schemeClr val="tx1">
+                    <a:lumMod val="75000"/>
+                    <a:lumOff val="25000"/>
+                  </a:schemeClr>
+                </a:solidFill>
+                <a:latin typeface="+mn-lt"/>
+              </a:rPr>
+              <a:t> </a:t>
+            </a:r>
+            <a:r>
+              <a:rPr lang="en-US" altLang="zh-CN" dirty="0">
+                <a:solidFill>
+                  <a:schemeClr val="tx1">
+                    <a:lumMod val="75000"/>
+                    <a:lumOff val="25000"/>
+                  </a:schemeClr>
+                </a:solidFill>
+                <a:latin typeface="+mn-lt"/>
+              </a:rPr>
+              <a:t>Demo</a:t>
+            </a:r>
+            <a:endParaRPr lang="en-PH" dirty="0">
+              <a:solidFill>
+                <a:schemeClr val="tx1">
+                  <a:lumMod val="75000"/>
+                  <a:lumOff val="25000"/>
+                </a:schemeClr>
+              </a:solidFill>
+              <a:latin typeface="+mn-lt"/>
+            </a:endParaRPr>
           </a:p>
         </p:txBody>
       </p:sp>
@@ -20099,7 +21102,7 @@
         </p:blipFill>
         <p:spPr>
           <a:xfrm>
-            <a:off x="2830939" y="2061509"/>
+            <a:off x="2842814" y="1455867"/>
             <a:ext cx="4157761" cy="4359800"/>
           </a:xfrm>
           <a:prstGeom prst="rect">
@@ -20121,7 +21124,7 @@
         </p:nvSpPr>
         <p:spPr bwMode="gray">
           <a:xfrm>
-            <a:off x="716288" y="2236763"/>
+            <a:off x="728163" y="1631121"/>
             <a:ext cx="507601" cy="4009292"/>
           </a:xfrm>
           <a:prstGeom prst="rect">
@@ -20241,7 +21244,7 @@
         </p:nvSpPr>
         <p:spPr bwMode="gray">
           <a:xfrm>
-            <a:off x="1463040" y="4107767"/>
+            <a:off x="1474915" y="3502125"/>
             <a:ext cx="1222491" cy="277000"/>
           </a:xfrm>
           <a:prstGeom prst="rightArrow">
@@ -20309,7 +21312,7 @@
         </p:nvSpPr>
         <p:spPr>
           <a:xfrm>
-            <a:off x="1702425" y="3830766"/>
+            <a:off x="1714300" y="3225124"/>
             <a:ext cx="692497" cy="276999"/>
           </a:xfrm>
           <a:prstGeom prst="rect">
@@ -20370,7 +21373,7 @@
         </p:blipFill>
         <p:spPr>
           <a:xfrm>
-            <a:off x="8368195" y="3134236"/>
+            <a:off x="8380070" y="2528594"/>
             <a:ext cx="3637003" cy="2105053"/>
           </a:xfrm>
           <a:prstGeom prst="rect">
@@ -20392,7 +21395,7 @@
         </p:nvSpPr>
         <p:spPr bwMode="gray">
           <a:xfrm>
-            <a:off x="7073614" y="4102909"/>
+            <a:off x="7085489" y="3497267"/>
             <a:ext cx="1222491" cy="277000"/>
           </a:xfrm>
           <a:prstGeom prst="rightArrow">
@@ -20460,7 +21463,7 @@
         </p:nvSpPr>
         <p:spPr>
           <a:xfrm>
-            <a:off x="7338611" y="3830766"/>
+            <a:off x="7350486" y="3225124"/>
             <a:ext cx="679673" cy="276999"/>
           </a:xfrm>
           <a:prstGeom prst="rect">
@@ -20513,7 +21516,7 @@
         </p:nvSpPr>
         <p:spPr>
           <a:xfrm>
-            <a:off x="9819249" y="5613009"/>
+            <a:off x="9831124" y="5007367"/>
             <a:ext cx="664809" cy="369332"/>
           </a:xfrm>
           <a:prstGeom prst="rect">
@@ -20565,7 +21568,7 @@
 </p:sld>
 </file>
 
-<file path=ppt/slides/slide14.xml><?xml version="1.0" encoding="utf-8"?>
+<file path=ppt/slides/slide15.xml><?xml version="1.0" encoding="utf-8"?>
 <p:sld xmlns:a="http://schemas.openxmlformats.org/drawingml/2006/main" xmlns:r="http://schemas.openxmlformats.org/officeDocument/2006/relationships" xmlns:p="http://schemas.openxmlformats.org/presentationml/2006/main">
   <p:cSld>
     <p:spTree>
@@ -20692,7 +21695,7 @@
 </p:sld>
 </file>
 
-<file path=ppt/slides/slide15.xml><?xml version="1.0" encoding="utf-8"?>
+<file path=ppt/slides/slide16.xml><?xml version="1.0" encoding="utf-8"?>
 <p:sld xmlns:a="http://schemas.openxmlformats.org/drawingml/2006/main" xmlns:r="http://schemas.openxmlformats.org/officeDocument/2006/relationships" xmlns:p="http://schemas.openxmlformats.org/presentationml/2006/main">
   <p:cSld>
     <p:spTree>
@@ -20775,7 +21778,7 @@
                 </a:solidFill>
                 <a:latin typeface="+mn-lt"/>
               </a:rPr>
-              <a:t>2</a:t>
+              <a:t>3</a:t>
             </a:r>
             <a:r>
               <a:rPr lang="en-PH" dirty="0">
@@ -20856,7 +21859,7 @@
 </p:sld>
 </file>
 
-<file path=ppt/slides/slide16.xml><?xml version="1.0" encoding="utf-8"?>
+<file path=ppt/slides/slide17.xml><?xml version="1.0" encoding="utf-8"?>
 <p:sld xmlns:a="http://schemas.openxmlformats.org/drawingml/2006/main" xmlns:r="http://schemas.openxmlformats.org/officeDocument/2006/relationships" xmlns:p="http://schemas.openxmlformats.org/presentationml/2006/main">
   <p:cSld>
     <p:spTree>
@@ -20915,43 +21918,7 @@
                   <a:schemeClr val="accent3"/>
                 </a:solidFill>
               </a:rPr>
-              <a:t>编译器如何实现净态作用域</a:t>
-            </a:r>
-            <a:r>
-              <a:rPr lang="en-US" altLang="zh-CN" dirty="0">
-                <a:ln/>
-                <a:solidFill>
-                  <a:schemeClr val="accent3"/>
-                </a:solidFill>
-              </a:rPr>
-              <a:t>,</a:t>
-            </a:r>
-            <a:r>
-              <a:rPr lang="zh-CN" altLang="en-US" dirty="0">
-                <a:ln/>
-                <a:solidFill>
-                  <a:schemeClr val="accent3"/>
-                </a:solidFill>
-              </a:rPr>
-              <a:t> 以</a:t>
-            </a:r>
-            <a:r>
-              <a:rPr lang="zh-CN" altLang="en-US" dirty="0">
-                <a:ln/>
-                <a:solidFill>
-                  <a:srgbClr val="FF0000"/>
-                </a:solidFill>
-              </a:rPr>
-              <a:t>块级</a:t>
-            </a:r>
-            <a:r>
-              <a:rPr lang="zh-CN" altLang="en-US" dirty="0">
-                <a:ln/>
-                <a:solidFill>
-                  <a:schemeClr val="accent3"/>
-                </a:solidFill>
-              </a:rPr>
-              <a:t>作用域为例</a:t>
+              <a:t>编译器如何实现静态作用域</a:t>
             </a:r>
             <a:r>
               <a:rPr lang="en-US" altLang="zh-CN" dirty="0">
@@ -20984,7 +21951,7 @@
 </p:sld>
 </file>
 
-<file path=ppt/slides/slide17.xml><?xml version="1.0" encoding="utf-8"?>
+<file path=ppt/slides/slide18.xml><?xml version="1.0" encoding="utf-8"?>
 <p:sld xmlns:a="http://schemas.openxmlformats.org/drawingml/2006/main" xmlns:r="http://schemas.openxmlformats.org/officeDocument/2006/relationships" xmlns:p="http://schemas.openxmlformats.org/presentationml/2006/main">
   <p:cSld>
     <p:spTree>
@@ -21058,6 +22025,347 @@
               <a:t>2.</a:t>
             </a:r>
             <a:r>
+              <a:rPr lang="en-US" altLang="zh-CN" dirty="0">
+                <a:solidFill>
+                  <a:schemeClr val="tx1">
+                    <a:lumMod val="75000"/>
+                    <a:lumOff val="25000"/>
+                  </a:schemeClr>
+                </a:solidFill>
+                <a:latin typeface="+mn-lt"/>
+              </a:rPr>
+              <a:t>6</a:t>
+            </a:r>
+            <a:r>
+              <a:rPr lang="en-PH" dirty="0">
+                <a:solidFill>
+                  <a:schemeClr val="tx1">
+                    <a:lumMod val="75000"/>
+                    <a:lumOff val="25000"/>
+                  </a:schemeClr>
+                </a:solidFill>
+                <a:latin typeface="+mn-lt"/>
+              </a:rPr>
+              <a:t> </a:t>
+            </a:r>
+            <a:r>
+              <a:rPr lang="en-PH" dirty="0" err="1">
+                <a:solidFill>
+                  <a:schemeClr val="tx1">
+                    <a:lumMod val="75000"/>
+                    <a:lumOff val="25000"/>
+                  </a:schemeClr>
+                </a:solidFill>
+                <a:latin typeface="+mn-lt"/>
+              </a:rPr>
+              <a:t>执行上下文的设计</a:t>
+            </a:r>
+            <a:endParaRPr lang="en-PH" dirty="0">
+              <a:solidFill>
+                <a:schemeClr val="tx1">
+                  <a:lumMod val="75000"/>
+                  <a:lumOff val="25000"/>
+                </a:schemeClr>
+              </a:solidFill>
+              <a:latin typeface="+mn-lt"/>
+            </a:endParaRPr>
+          </a:p>
+        </p:txBody>
+      </p:sp>
+      <p:sp>
+        <p:nvSpPr>
+          <p:cNvPr id="3" name="TextBox 2">
+            <a:extLst>
+              <a:ext uri="{FF2B5EF4-FFF2-40B4-BE49-F238E27FC236}">
+                <a16:creationId xmlns:a16="http://schemas.microsoft.com/office/drawing/2014/main" id="{1A9B921C-3578-894D-BDA4-6109043A2CB4}"/>
+              </a:ext>
+            </a:extLst>
+          </p:cNvPr>
+          <p:cNvSpPr txBox="1"/>
+          <p:nvPr/>
+        </p:nvSpPr>
+        <p:spPr>
+          <a:xfrm>
+            <a:off x="844062" y="947024"/>
+            <a:ext cx="10733708" cy="1107996"/>
+          </a:xfrm>
+          <a:prstGeom prst="rect">
+            <a:avLst/>
+          </a:prstGeom>
+          <a:noFill/>
+        </p:spPr>
+        <p:txBody>
+          <a:bodyPr wrap="none" lIns="0" tIns="0" rIns="0" bIns="0" rtlCol="0">
+            <a:spAutoFit/>
+          </a:bodyPr>
+          <a:lstStyle/>
+          <a:p>
+            <a:pPr fontAlgn="base">
+              <a:spcBef>
+                <a:spcPct val="50000"/>
+              </a:spcBef>
+              <a:spcAft>
+                <a:spcPct val="0"/>
+              </a:spcAft>
+              <a:buClr>
+                <a:srgbClr val="F0AB00"/>
+              </a:buClr>
+              <a:buSzPct val="80000"/>
+            </a:pPr>
+            <a:r>
+              <a:rPr lang="ja-JP" altLang="en-US" sz="1800" kern="0">
+                <a:ea typeface="Arial Unicode MS" pitchFamily="34" charset="-128"/>
+                <a:cs typeface="Arial Unicode MS" pitchFamily="34" charset="-128"/>
+              </a:rPr>
+              <a:t>代码执行时</a:t>
+            </a:r>
+            <a:r>
+              <a:rPr lang="en-US" altLang="zh-CN" sz="1800" kern="0" dirty="0">
+                <a:ea typeface="Arial Unicode MS" pitchFamily="34" charset="-128"/>
+                <a:cs typeface="Arial Unicode MS" pitchFamily="34" charset="-128"/>
+              </a:rPr>
+              <a:t>,</a:t>
+            </a:r>
+            <a:r>
+              <a:rPr lang="zh-CN" altLang="en-US" sz="1800" kern="0" dirty="0">
+                <a:ea typeface="Arial Unicode MS" pitchFamily="34" charset="-128"/>
+                <a:cs typeface="Arial Unicode MS" pitchFamily="34" charset="-128"/>
+              </a:rPr>
+              <a:t> 每</a:t>
+            </a:r>
+            <a:r>
+              <a:rPr lang="ja-JP" altLang="en-US" sz="1800" kern="0">
+                <a:ea typeface="Arial Unicode MS" pitchFamily="34" charset="-128"/>
+                <a:cs typeface="Arial Unicode MS" pitchFamily="34" charset="-128"/>
+              </a:rPr>
+              <a:t>进入一个作用域，就往栈里压入一个数据结构，这个数据结构叫做</a:t>
+            </a:r>
+            <a:r>
+              <a:rPr lang="ja-JP" altLang="en-US" sz="1800" kern="0">
+                <a:solidFill>
+                  <a:srgbClr val="FF0000"/>
+                </a:solidFill>
+                <a:ea typeface="Arial Unicode MS" pitchFamily="34" charset="-128"/>
+                <a:cs typeface="Arial Unicode MS" pitchFamily="34" charset="-128"/>
+              </a:rPr>
+              <a:t>栈桢（</a:t>
+            </a:r>
+            <a:r>
+              <a:rPr lang="en-US" sz="1800" kern="0" dirty="0">
+                <a:solidFill>
+                  <a:srgbClr val="FF0000"/>
+                </a:solidFill>
+                <a:ea typeface="Arial Unicode MS" pitchFamily="34" charset="-128"/>
+                <a:cs typeface="Arial Unicode MS" pitchFamily="34" charset="-128"/>
+              </a:rPr>
+              <a:t>Stack Frame ）</a:t>
+            </a:r>
+            <a:r>
+              <a:rPr lang="en-US" altLang="zh-CN" sz="1800" kern="0" dirty="0">
+                <a:solidFill>
+                  <a:srgbClr val="FF0000"/>
+                </a:solidFill>
+                <a:ea typeface="Arial Unicode MS" pitchFamily="34" charset="-128"/>
+                <a:cs typeface="Arial Unicode MS" pitchFamily="34" charset="-128"/>
+              </a:rPr>
+              <a:t>.</a:t>
+            </a:r>
+            <a:endParaRPr lang="en-US" sz="1800" kern="0" dirty="0">
+              <a:solidFill>
+                <a:srgbClr val="FF0000"/>
+              </a:solidFill>
+              <a:ea typeface="Arial Unicode MS" pitchFamily="34" charset="-128"/>
+              <a:cs typeface="Arial Unicode MS" pitchFamily="34" charset="-128"/>
+            </a:endParaRPr>
+          </a:p>
+          <a:p>
+            <a:pPr fontAlgn="base">
+              <a:spcBef>
+                <a:spcPct val="50000"/>
+              </a:spcBef>
+              <a:spcAft>
+                <a:spcPct val="0"/>
+              </a:spcAft>
+              <a:buClr>
+                <a:srgbClr val="F0AB00"/>
+              </a:buClr>
+              <a:buSzPct val="80000"/>
+            </a:pPr>
+            <a:r>
+              <a:rPr lang="en-US" sz="1800" kern="0" dirty="0" err="1">
+                <a:ea typeface="Arial Unicode MS" pitchFamily="34" charset="-128"/>
+                <a:cs typeface="Arial Unicode MS" pitchFamily="34" charset="-128"/>
+              </a:rPr>
+              <a:t>也就是我们所说的</a:t>
+            </a:r>
+            <a:r>
+              <a:rPr lang="en-US" sz="1800" kern="0" dirty="0" err="1">
+                <a:solidFill>
+                  <a:srgbClr val="FF0000"/>
+                </a:solidFill>
+                <a:ea typeface="Arial Unicode MS" pitchFamily="34" charset="-128"/>
+                <a:cs typeface="Arial Unicode MS" pitchFamily="34" charset="-128"/>
+              </a:rPr>
+              <a:t>执行上下文</a:t>
+            </a:r>
+            <a:r>
+              <a:rPr lang="en-US" altLang="zh-CN" sz="1800" kern="0" dirty="0">
+                <a:solidFill>
+                  <a:srgbClr val="FF0000"/>
+                </a:solidFill>
+                <a:ea typeface="Arial Unicode MS" pitchFamily="34" charset="-128"/>
+                <a:cs typeface="Arial Unicode MS" pitchFamily="34" charset="-128"/>
+              </a:rPr>
+              <a:t>.</a:t>
+            </a:r>
+            <a:endParaRPr lang="en-US" sz="1800" kern="0" dirty="0">
+              <a:solidFill>
+                <a:srgbClr val="FF0000"/>
+              </a:solidFill>
+              <a:ea typeface="Arial Unicode MS" pitchFamily="34" charset="-128"/>
+              <a:cs typeface="Arial Unicode MS" pitchFamily="34" charset="-128"/>
+            </a:endParaRPr>
+          </a:p>
+          <a:p>
+            <a:pPr fontAlgn="base">
+              <a:spcBef>
+                <a:spcPct val="50000"/>
+              </a:spcBef>
+              <a:spcAft>
+                <a:spcPct val="0"/>
+              </a:spcAft>
+              <a:buClr>
+                <a:srgbClr val="F0AB00"/>
+              </a:buClr>
+              <a:buSzPct val="80000"/>
+            </a:pPr>
+            <a:endParaRPr lang="en-CN" sz="1800" kern="0" dirty="0" err="1">
+              <a:solidFill>
+                <a:srgbClr val="FF0000"/>
+              </a:solidFill>
+              <a:ea typeface="Arial Unicode MS" pitchFamily="34" charset="-128"/>
+              <a:cs typeface="Arial Unicode MS" pitchFamily="34" charset="-128"/>
+            </a:endParaRPr>
+          </a:p>
+        </p:txBody>
+      </p:sp>
+      <p:pic>
+        <p:nvPicPr>
+          <p:cNvPr id="5" name="Picture 4">
+            <a:extLst>
+              <a:ext uri="{FF2B5EF4-FFF2-40B4-BE49-F238E27FC236}">
+                <a16:creationId xmlns:a16="http://schemas.microsoft.com/office/drawing/2014/main" id="{C131A0C6-185C-8D4C-B2E3-56472921C133}"/>
+              </a:ext>
+            </a:extLst>
+          </p:cNvPr>
+          <p:cNvPicPr>
+            <a:picLocks noChangeAspect="1"/>
+          </p:cNvPicPr>
+          <p:nvPr/>
+        </p:nvPicPr>
+        <p:blipFill>
+          <a:blip r:embed="rId2"/>
+          <a:stretch>
+            <a:fillRect/>
+          </a:stretch>
+        </p:blipFill>
+        <p:spPr>
+          <a:xfrm>
+            <a:off x="3233737" y="2279650"/>
+            <a:ext cx="5727700" cy="2298700"/>
+          </a:xfrm>
+          <a:prstGeom prst="rect">
+            <a:avLst/>
+          </a:prstGeom>
+        </p:spPr>
+      </p:pic>
+    </p:spTree>
+    <p:extLst>
+      <p:ext uri="{BB962C8B-B14F-4D97-AF65-F5344CB8AC3E}">
+        <p14:creationId xmlns:p14="http://schemas.microsoft.com/office/powerpoint/2010/main" val="47798121"/>
+      </p:ext>
+    </p:extLst>
+  </p:cSld>
+  <p:clrMapOvr>
+    <a:masterClrMapping/>
+  </p:clrMapOvr>
+</p:sld>
+</file>
+
+<file path=ppt/slides/slide19.xml><?xml version="1.0" encoding="utf-8"?>
+<p:sld xmlns:a="http://schemas.openxmlformats.org/drawingml/2006/main" xmlns:r="http://schemas.openxmlformats.org/officeDocument/2006/relationships" xmlns:p="http://schemas.openxmlformats.org/presentationml/2006/main">
+  <p:cSld>
+    <p:spTree>
+      <p:nvGrpSpPr>
+        <p:cNvPr id="1" name=""/>
+        <p:cNvGrpSpPr/>
+        <p:nvPr/>
+      </p:nvGrpSpPr>
+      <p:grpSpPr>
+        <a:xfrm>
+          <a:off x="0" y="0"/>
+          <a:ext cx="0" cy="0"/>
+          <a:chOff x="0" y="0"/>
+          <a:chExt cx="0" cy="0"/>
+        </a:xfrm>
+      </p:grpSpPr>
+      <p:sp>
+        <p:nvSpPr>
+          <p:cNvPr id="4" name="Title 1">
+            <a:extLst>
+              <a:ext uri="{FF2B5EF4-FFF2-40B4-BE49-F238E27FC236}">
+                <a16:creationId xmlns:a16="http://schemas.microsoft.com/office/drawing/2014/main" id="{25339262-931C-674A-90A9-EA6655D73E94}"/>
+              </a:ext>
+            </a:extLst>
+          </p:cNvPr>
+          <p:cNvSpPr txBox="1">
+            <a:spLocks/>
+          </p:cNvSpPr>
+          <p:nvPr/>
+        </p:nvSpPr>
+        <p:spPr bwMode="black">
+          <a:xfrm>
+            <a:off x="1724371" y="166346"/>
+            <a:ext cx="8759687" cy="369332"/>
+          </a:xfrm>
+          <a:prstGeom prst="rect">
+            <a:avLst/>
+          </a:prstGeom>
+        </p:spPr>
+        <p:txBody>
+          <a:bodyPr vert="horz" wrap="square" lIns="0" tIns="0" rIns="0" bIns="0" rtlCol="0" anchor="t" anchorCtr="0">
+            <a:spAutoFit/>
+          </a:bodyPr>
+          <a:lstStyle>
+            <a:lvl1pPr algn="l" defTabSz="1088558" rtl="0" eaLnBrk="1" latinLnBrk="0" hangingPunct="1">
+              <a:spcBef>
+                <a:spcPct val="0"/>
+              </a:spcBef>
+              <a:buNone/>
+              <a:defRPr sz="2400" b="1" kern="1200" baseline="0">
+                <a:solidFill>
+                  <a:schemeClr val="tx1"/>
+                </a:solidFill>
+                <a:latin typeface="+mj-lt"/>
+                <a:ea typeface="+mj-ea"/>
+                <a:cs typeface="+mj-cs"/>
+              </a:defRPr>
+            </a:lvl1pPr>
+          </a:lstStyle>
+          <a:p>
+            <a:r>
+              <a:rPr lang="en-PH" dirty="0">
+                <a:solidFill>
+                  <a:schemeClr val="tx1">
+                    <a:lumMod val="75000"/>
+                    <a:lumOff val="25000"/>
+                  </a:schemeClr>
+                </a:solidFill>
+                <a:latin typeface="+mn-lt"/>
+              </a:rPr>
+              <a:t>2.</a:t>
+            </a:r>
+            <a:r>
               <a:rPr lang="en-US" dirty="0">
                 <a:solidFill>
                   <a:schemeClr val="tx1">
@@ -21067,7 +22375,7 @@
                 </a:solidFill>
                 <a:latin typeface="+mn-lt"/>
               </a:rPr>
-              <a:t>3</a:t>
+              <a:t>4</a:t>
             </a:r>
             <a:r>
               <a:rPr lang="zh-CN" altLang="en-US" dirty="0">
@@ -21144,7 +22452,7 @@
         <p:spPr>
           <a:xfrm>
             <a:off x="209833" y="3600828"/>
-            <a:ext cx="2483372" cy="415498"/>
+            <a:ext cx="2762295" cy="307777"/>
           </a:xfrm>
           <a:prstGeom prst="rect">
             <a:avLst/>
@@ -21157,7 +22465,9 @@
           <a:lstStyle/>
           <a:p>
             <a:r>
-              <a:rPr lang="en-CN" dirty="0"/>
+              <a:rPr lang="en-CN" sz="1400" dirty="0">
+                <a:latin typeface="Monaco" pitchFamily="2" charset="77"/>
+              </a:rPr>
               <a:t>if (true) { let a = 1; }</a:t>
             </a:r>
           </a:p>
@@ -21177,8 +22487,8 @@
         </p:nvSpPr>
         <p:spPr bwMode="gray">
           <a:xfrm>
-            <a:off x="209833" y="3429000"/>
-            <a:ext cx="2483372" cy="759655"/>
+            <a:off x="236033" y="3352380"/>
+            <a:ext cx="2663996" cy="751114"/>
           </a:xfrm>
           <a:prstGeom prst="rect">
             <a:avLst/>
@@ -21269,8 +22579,8 @@
         </p:nvSpPr>
         <p:spPr bwMode="gray">
           <a:xfrm>
-            <a:off x="2693205" y="3648808"/>
-            <a:ext cx="1010211" cy="302455"/>
+            <a:off x="2972128" y="3648808"/>
+            <a:ext cx="731288" cy="302455"/>
           </a:xfrm>
           <a:prstGeom prst="rightArrow">
             <a:avLst/>
@@ -21336,7 +22646,605 @@
 </p:sld>
 </file>
 
-<file path=ppt/slides/slide18.xml><?xml version="1.0" encoding="utf-8"?>
+<file path=ppt/slides/slide2.xml><?xml version="1.0" encoding="utf-8"?>
+<p:sld xmlns:a="http://schemas.openxmlformats.org/drawingml/2006/main" xmlns:r="http://schemas.openxmlformats.org/officeDocument/2006/relationships" xmlns:p="http://schemas.openxmlformats.org/presentationml/2006/main">
+  <p:cSld>
+    <p:spTree>
+      <p:nvGrpSpPr>
+        <p:cNvPr id="1" name=""/>
+        <p:cNvGrpSpPr/>
+        <p:nvPr/>
+      </p:nvGrpSpPr>
+      <p:grpSpPr>
+        <a:xfrm>
+          <a:off x="0" y="0"/>
+          <a:ext cx="0" cy="0"/>
+          <a:chOff x="0" y="0"/>
+          <a:chExt cx="0" cy="0"/>
+        </a:xfrm>
+      </p:grpSpPr>
+      <p:graphicFrame>
+        <p:nvGraphicFramePr>
+          <p:cNvPr id="3" name="Diagram 2">
+            <a:extLst>
+              <a:ext uri="{FF2B5EF4-FFF2-40B4-BE49-F238E27FC236}">
+                <a16:creationId xmlns:a16="http://schemas.microsoft.com/office/drawing/2014/main" id="{E83A7445-87B2-1343-9F28-C89B26228D1F}"/>
+              </a:ext>
+            </a:extLst>
+          </p:cNvPr>
+          <p:cNvGraphicFramePr/>
+          <p:nvPr>
+            <p:extLst>
+              <p:ext uri="{D42A27DB-BD31-4B8C-83A1-F6EECF244321}">
+                <p14:modId xmlns:p14="http://schemas.microsoft.com/office/powerpoint/2010/main" val="3407114345"/>
+              </p:ext>
+            </p:extLst>
+          </p:nvPr>
+        </p:nvGraphicFramePr>
+        <p:xfrm>
+          <a:off x="2032529" y="718961"/>
+          <a:ext cx="8130117" cy="5420078"/>
+        </p:xfrm>
+        <a:graphic>
+          <a:graphicData uri="http://schemas.openxmlformats.org/drawingml/2006/diagram">
+            <dgm:relIds xmlns:dgm="http://schemas.openxmlformats.org/drawingml/2006/diagram" xmlns:r="http://schemas.openxmlformats.org/officeDocument/2006/relationships" r:dm="rId2" r:lo="rId3" r:qs="rId4" r:cs="rId5"/>
+          </a:graphicData>
+        </a:graphic>
+      </p:graphicFrame>
+      <p:sp>
+        <p:nvSpPr>
+          <p:cNvPr id="40" name="Title 1">
+            <a:extLst>
+              <a:ext uri="{FF2B5EF4-FFF2-40B4-BE49-F238E27FC236}">
+                <a16:creationId xmlns:a16="http://schemas.microsoft.com/office/drawing/2014/main" id="{3CF8293F-B437-3C42-9C61-244ACAF525EA}"/>
+              </a:ext>
+            </a:extLst>
+          </p:cNvPr>
+          <p:cNvSpPr txBox="1">
+            <a:spLocks/>
+          </p:cNvSpPr>
+          <p:nvPr/>
+        </p:nvSpPr>
+        <p:spPr bwMode="black">
+          <a:xfrm>
+            <a:off x="1876771" y="318746"/>
+            <a:ext cx="8759687" cy="369332"/>
+          </a:xfrm>
+          <a:prstGeom prst="rect">
+            <a:avLst/>
+          </a:prstGeom>
+        </p:spPr>
+        <p:txBody>
+          <a:bodyPr vert="horz" wrap="square" lIns="0" tIns="0" rIns="0" bIns="0" rtlCol="0" anchor="t" anchorCtr="0">
+            <a:spAutoFit/>
+          </a:bodyPr>
+          <a:lstStyle>
+            <a:lvl1pPr algn="l" defTabSz="1088558" rtl="0" eaLnBrk="1" latinLnBrk="0" hangingPunct="1">
+              <a:spcBef>
+                <a:spcPct val="0"/>
+              </a:spcBef>
+              <a:buNone/>
+              <a:defRPr sz="2400" b="1" kern="1200" baseline="0">
+                <a:solidFill>
+                  <a:schemeClr val="tx1"/>
+                </a:solidFill>
+                <a:latin typeface="+mj-lt"/>
+                <a:ea typeface="+mj-ea"/>
+                <a:cs typeface="+mj-cs"/>
+              </a:defRPr>
+            </a:lvl1pPr>
+          </a:lstStyle>
+          <a:p>
+            <a:pPr algn="ctr"/>
+            <a:r>
+              <a:rPr lang="en-PH">
+                <a:solidFill>
+                  <a:schemeClr val="tx1">
+                    <a:lumMod val="75000"/>
+                    <a:lumOff val="25000"/>
+                  </a:schemeClr>
+                </a:solidFill>
+                <a:latin typeface="+mn-lt"/>
+              </a:rPr>
+              <a:t>Agenda</a:t>
+            </a:r>
+          </a:p>
+        </p:txBody>
+      </p:sp>
+      <p:sp>
+        <p:nvSpPr>
+          <p:cNvPr id="6" name="TextBox 5">
+            <a:extLst>
+              <a:ext uri="{FF2B5EF4-FFF2-40B4-BE49-F238E27FC236}">
+                <a16:creationId xmlns:a16="http://schemas.microsoft.com/office/drawing/2014/main" id="{67930AFE-0B12-414B-9B0C-35A90E93E849}"/>
+              </a:ext>
+            </a:extLst>
+          </p:cNvPr>
+          <p:cNvSpPr txBox="1"/>
+          <p:nvPr/>
+        </p:nvSpPr>
+        <p:spPr>
+          <a:xfrm>
+            <a:off x="2391508" y="1406769"/>
+            <a:ext cx="500137" cy="276999"/>
+          </a:xfrm>
+          <a:prstGeom prst="rect">
+            <a:avLst/>
+          </a:prstGeom>
+          <a:noFill/>
+        </p:spPr>
+        <p:txBody>
+          <a:bodyPr wrap="none" lIns="0" tIns="0" rIns="0" bIns="0" rtlCol="0">
+            <a:spAutoFit/>
+          </a:bodyPr>
+          <a:lstStyle/>
+          <a:p>
+            <a:pPr fontAlgn="base">
+              <a:spcBef>
+                <a:spcPct val="50000"/>
+              </a:spcBef>
+              <a:spcAft>
+                <a:spcPct val="0"/>
+              </a:spcAft>
+              <a:buClr>
+                <a:srgbClr val="F0AB00"/>
+              </a:buClr>
+              <a:buSzPct val="80000"/>
+            </a:pPr>
+            <a:r>
+              <a:rPr lang="en-CN" sz="1800" kern="0">
+                <a:solidFill>
+                  <a:schemeClr val="accent1"/>
+                </a:solidFill>
+                <a:ea typeface="Arial Unicode MS" pitchFamily="34" charset="-128"/>
+                <a:cs typeface="Arial Unicode MS" pitchFamily="34" charset="-128"/>
+              </a:rPr>
+              <a:t>0x00</a:t>
+            </a:r>
+          </a:p>
+        </p:txBody>
+      </p:sp>
+      <p:sp>
+        <p:nvSpPr>
+          <p:cNvPr id="44" name="TextBox 43">
+            <a:extLst>
+              <a:ext uri="{FF2B5EF4-FFF2-40B4-BE49-F238E27FC236}">
+                <a16:creationId xmlns:a16="http://schemas.microsoft.com/office/drawing/2014/main" id="{F2B1AE77-B015-A149-9E80-51FA75CF2B8F}"/>
+              </a:ext>
+            </a:extLst>
+          </p:cNvPr>
+          <p:cNvSpPr txBox="1"/>
+          <p:nvPr/>
+        </p:nvSpPr>
+        <p:spPr>
+          <a:xfrm>
+            <a:off x="2891645" y="2638714"/>
+            <a:ext cx="500137" cy="276999"/>
+          </a:xfrm>
+          <a:prstGeom prst="rect">
+            <a:avLst/>
+          </a:prstGeom>
+          <a:noFill/>
+        </p:spPr>
+        <p:txBody>
+          <a:bodyPr wrap="none" lIns="0" tIns="0" rIns="0" bIns="0" rtlCol="0">
+            <a:spAutoFit/>
+          </a:bodyPr>
+          <a:lstStyle/>
+          <a:p>
+            <a:pPr fontAlgn="base">
+              <a:spcBef>
+                <a:spcPct val="50000"/>
+              </a:spcBef>
+              <a:spcAft>
+                <a:spcPct val="0"/>
+              </a:spcAft>
+              <a:buClr>
+                <a:srgbClr val="F0AB00"/>
+              </a:buClr>
+              <a:buSzPct val="80000"/>
+            </a:pPr>
+            <a:r>
+              <a:rPr lang="en-CN" sz="1800" kern="0">
+                <a:solidFill>
+                  <a:schemeClr val="accent1"/>
+                </a:solidFill>
+                <a:ea typeface="Arial Unicode MS" pitchFamily="34" charset="-128"/>
+                <a:cs typeface="Arial Unicode MS" pitchFamily="34" charset="-128"/>
+              </a:rPr>
+              <a:t>0x01</a:t>
+            </a:r>
+          </a:p>
+        </p:txBody>
+      </p:sp>
+      <p:sp>
+        <p:nvSpPr>
+          <p:cNvPr id="50" name="TextBox 49">
+            <a:extLst>
+              <a:ext uri="{FF2B5EF4-FFF2-40B4-BE49-F238E27FC236}">
+                <a16:creationId xmlns:a16="http://schemas.microsoft.com/office/drawing/2014/main" id="{5FDB486F-3259-794B-8F81-6CBE5738D5EE}"/>
+              </a:ext>
+            </a:extLst>
+          </p:cNvPr>
+          <p:cNvSpPr txBox="1"/>
+          <p:nvPr/>
+        </p:nvSpPr>
+        <p:spPr>
+          <a:xfrm>
+            <a:off x="2891644" y="3942288"/>
+            <a:ext cx="500137" cy="276999"/>
+          </a:xfrm>
+          <a:prstGeom prst="rect">
+            <a:avLst/>
+          </a:prstGeom>
+          <a:noFill/>
+        </p:spPr>
+        <p:txBody>
+          <a:bodyPr wrap="none" lIns="0" tIns="0" rIns="0" bIns="0" rtlCol="0">
+            <a:spAutoFit/>
+          </a:bodyPr>
+          <a:lstStyle/>
+          <a:p>
+            <a:pPr fontAlgn="base">
+              <a:spcBef>
+                <a:spcPct val="50000"/>
+              </a:spcBef>
+              <a:spcAft>
+                <a:spcPct val="0"/>
+              </a:spcAft>
+              <a:buClr>
+                <a:srgbClr val="F0AB00"/>
+              </a:buClr>
+              <a:buSzPct val="80000"/>
+            </a:pPr>
+            <a:r>
+              <a:rPr lang="en-CN" sz="1800" kern="0">
+                <a:solidFill>
+                  <a:schemeClr val="accent1"/>
+                </a:solidFill>
+                <a:ea typeface="Arial Unicode MS" pitchFamily="34" charset="-128"/>
+                <a:cs typeface="Arial Unicode MS" pitchFamily="34" charset="-128"/>
+              </a:rPr>
+              <a:t>0x02</a:t>
+            </a:r>
+          </a:p>
+        </p:txBody>
+      </p:sp>
+      <p:sp>
+        <p:nvSpPr>
+          <p:cNvPr id="51" name="TextBox 50">
+            <a:extLst>
+              <a:ext uri="{FF2B5EF4-FFF2-40B4-BE49-F238E27FC236}">
+                <a16:creationId xmlns:a16="http://schemas.microsoft.com/office/drawing/2014/main" id="{8A10BEDA-F97A-5C40-93E8-C5FB5C8EFDEB}"/>
+              </a:ext>
+            </a:extLst>
+          </p:cNvPr>
+          <p:cNvSpPr txBox="1"/>
+          <p:nvPr/>
+        </p:nvSpPr>
+        <p:spPr>
+          <a:xfrm>
+            <a:off x="2391507" y="5174233"/>
+            <a:ext cx="500137" cy="276999"/>
+          </a:xfrm>
+          <a:prstGeom prst="rect">
+            <a:avLst/>
+          </a:prstGeom>
+          <a:noFill/>
+        </p:spPr>
+        <p:txBody>
+          <a:bodyPr wrap="none" lIns="0" tIns="0" rIns="0" bIns="0" rtlCol="0">
+            <a:spAutoFit/>
+          </a:bodyPr>
+          <a:lstStyle/>
+          <a:p>
+            <a:pPr fontAlgn="base">
+              <a:spcBef>
+                <a:spcPct val="50000"/>
+              </a:spcBef>
+              <a:spcAft>
+                <a:spcPct val="0"/>
+              </a:spcAft>
+              <a:buClr>
+                <a:srgbClr val="F0AB00"/>
+              </a:buClr>
+              <a:buSzPct val="80000"/>
+            </a:pPr>
+            <a:r>
+              <a:rPr lang="en-CN" sz="1800" kern="0">
+                <a:solidFill>
+                  <a:schemeClr val="accent1"/>
+                </a:solidFill>
+                <a:ea typeface="Arial Unicode MS" pitchFamily="34" charset="-128"/>
+                <a:cs typeface="Arial Unicode MS" pitchFamily="34" charset="-128"/>
+              </a:rPr>
+              <a:t>0x03</a:t>
+            </a:r>
+          </a:p>
+        </p:txBody>
+      </p:sp>
+    </p:spTree>
+    <p:extLst>
+      <p:ext uri="{BB962C8B-B14F-4D97-AF65-F5344CB8AC3E}">
+        <p14:creationId xmlns:p14="http://schemas.microsoft.com/office/powerpoint/2010/main" val="3977336685"/>
+      </p:ext>
+    </p:extLst>
+  </p:cSld>
+  <p:clrMapOvr>
+    <a:masterClrMapping/>
+  </p:clrMapOvr>
+</p:sld>
+</file>
+
+<file path=ppt/slides/slide20.xml><?xml version="1.0" encoding="utf-8"?>
+<p:sld xmlns:a="http://schemas.openxmlformats.org/drawingml/2006/main" xmlns:r="http://schemas.openxmlformats.org/officeDocument/2006/relationships" xmlns:p="http://schemas.openxmlformats.org/presentationml/2006/main">
+  <p:cSld>
+    <p:spTree>
+      <p:nvGrpSpPr>
+        <p:cNvPr id="1" name=""/>
+        <p:cNvGrpSpPr/>
+        <p:nvPr/>
+      </p:nvGrpSpPr>
+      <p:grpSpPr>
+        <a:xfrm>
+          <a:off x="0" y="0"/>
+          <a:ext cx="0" cy="0"/>
+          <a:chOff x="0" y="0"/>
+          <a:chExt cx="0" cy="0"/>
+        </a:xfrm>
+      </p:grpSpPr>
+      <p:pic>
+        <p:nvPicPr>
+          <p:cNvPr id="5" name="Picture 4">
+            <a:extLst>
+              <a:ext uri="{FF2B5EF4-FFF2-40B4-BE49-F238E27FC236}">
+                <a16:creationId xmlns:a16="http://schemas.microsoft.com/office/drawing/2014/main" id="{B0EDE902-4B89-CD45-A0C3-5E52ABDD1B3C}"/>
+              </a:ext>
+            </a:extLst>
+          </p:cNvPr>
+          <p:cNvPicPr>
+            <a:picLocks noChangeAspect="1"/>
+          </p:cNvPicPr>
+          <p:nvPr/>
+        </p:nvPicPr>
+        <p:blipFill>
+          <a:blip r:embed="rId2"/>
+          <a:srcRect/>
+          <a:stretch/>
+        </p:blipFill>
+        <p:spPr>
+          <a:xfrm>
+            <a:off x="2713563" y="1364465"/>
+            <a:ext cx="9159090" cy="3979842"/>
+          </a:xfrm>
+          <a:prstGeom prst="rect">
+            <a:avLst/>
+          </a:prstGeom>
+        </p:spPr>
+      </p:pic>
+      <p:sp>
+        <p:nvSpPr>
+          <p:cNvPr id="4" name="Title 1">
+            <a:extLst>
+              <a:ext uri="{FF2B5EF4-FFF2-40B4-BE49-F238E27FC236}">
+                <a16:creationId xmlns:a16="http://schemas.microsoft.com/office/drawing/2014/main" id="{25339262-931C-674A-90A9-EA6655D73E94}"/>
+              </a:ext>
+            </a:extLst>
+          </p:cNvPr>
+          <p:cNvSpPr txBox="1">
+            <a:spLocks/>
+          </p:cNvSpPr>
+          <p:nvPr/>
+        </p:nvSpPr>
+        <p:spPr bwMode="black">
+          <a:xfrm>
+            <a:off x="1724371" y="166346"/>
+            <a:ext cx="8759687" cy="369332"/>
+          </a:xfrm>
+          <a:prstGeom prst="rect">
+            <a:avLst/>
+          </a:prstGeom>
+        </p:spPr>
+        <p:txBody>
+          <a:bodyPr vert="horz" wrap="square" lIns="0" tIns="0" rIns="0" bIns="0" rtlCol="0" anchor="t" anchorCtr="0">
+            <a:spAutoFit/>
+          </a:bodyPr>
+          <a:lstStyle>
+            <a:lvl1pPr algn="l" defTabSz="1088558" rtl="0" eaLnBrk="1" latinLnBrk="0" hangingPunct="1">
+              <a:spcBef>
+                <a:spcPct val="0"/>
+              </a:spcBef>
+              <a:buNone/>
+              <a:defRPr sz="2400" b="1" kern="1200" baseline="0">
+                <a:solidFill>
+                  <a:schemeClr val="tx1"/>
+                </a:solidFill>
+                <a:latin typeface="+mj-lt"/>
+                <a:ea typeface="+mj-ea"/>
+                <a:cs typeface="+mj-cs"/>
+              </a:defRPr>
+            </a:lvl1pPr>
+          </a:lstStyle>
+          <a:p>
+            <a:r>
+              <a:rPr lang="en-PH" dirty="0">
+                <a:solidFill>
+                  <a:schemeClr val="tx1">
+                    <a:lumMod val="75000"/>
+                    <a:lumOff val="25000"/>
+                  </a:schemeClr>
+                </a:solidFill>
+                <a:latin typeface="+mn-lt"/>
+              </a:rPr>
+              <a:t>2.</a:t>
+            </a:r>
+            <a:r>
+              <a:rPr lang="en-US" altLang="zh-CN" dirty="0">
+                <a:solidFill>
+                  <a:schemeClr val="tx1">
+                    <a:lumMod val="75000"/>
+                    <a:lumOff val="25000"/>
+                  </a:schemeClr>
+                </a:solidFill>
+                <a:latin typeface="+mn-lt"/>
+              </a:rPr>
+              <a:t>5</a:t>
+            </a:r>
+            <a:r>
+              <a:rPr lang="en-US" dirty="0">
+                <a:solidFill>
+                  <a:schemeClr val="tx1">
+                    <a:lumMod val="75000"/>
+                    <a:lumOff val="25000"/>
+                  </a:schemeClr>
+                </a:solidFill>
+                <a:latin typeface="+mn-lt"/>
+              </a:rPr>
+              <a:t> </a:t>
+            </a:r>
+            <a:r>
+              <a:rPr lang="en-US" dirty="0" err="1">
+                <a:solidFill>
+                  <a:schemeClr val="tx1">
+                    <a:lumMod val="75000"/>
+                    <a:lumOff val="25000"/>
+                  </a:schemeClr>
+                </a:solidFill>
+                <a:latin typeface="+mn-lt"/>
+              </a:rPr>
+              <a:t>栈变化</a:t>
+            </a:r>
+            <a:endParaRPr lang="en-PH" dirty="0">
+              <a:solidFill>
+                <a:schemeClr val="tx1">
+                  <a:lumMod val="75000"/>
+                  <a:lumOff val="25000"/>
+                </a:schemeClr>
+              </a:solidFill>
+              <a:latin typeface="+mn-lt"/>
+            </a:endParaRPr>
+          </a:p>
+        </p:txBody>
+      </p:sp>
+      <p:pic>
+        <p:nvPicPr>
+          <p:cNvPr id="7" name="Picture 6">
+            <a:extLst>
+              <a:ext uri="{FF2B5EF4-FFF2-40B4-BE49-F238E27FC236}">
+                <a16:creationId xmlns:a16="http://schemas.microsoft.com/office/drawing/2014/main" id="{DFCAC835-D4C8-8A43-8F67-013FE1B2FB0D}"/>
+              </a:ext>
+            </a:extLst>
+          </p:cNvPr>
+          <p:cNvPicPr>
+            <a:picLocks noChangeAspect="1"/>
+          </p:cNvPicPr>
+          <p:nvPr/>
+        </p:nvPicPr>
+        <p:blipFill>
+          <a:blip r:embed="rId3"/>
+          <a:stretch>
+            <a:fillRect/>
+          </a:stretch>
+        </p:blipFill>
+        <p:spPr>
+          <a:xfrm>
+            <a:off x="322522" y="1352550"/>
+            <a:ext cx="2082800" cy="4152900"/>
+          </a:xfrm>
+          <a:prstGeom prst="rect">
+            <a:avLst/>
+          </a:prstGeom>
+        </p:spPr>
+      </p:pic>
+    </p:spTree>
+    <p:extLst>
+      <p:ext uri="{BB962C8B-B14F-4D97-AF65-F5344CB8AC3E}">
+        <p14:creationId xmlns:p14="http://schemas.microsoft.com/office/powerpoint/2010/main" val="1042436855"/>
+      </p:ext>
+    </p:extLst>
+  </p:cSld>
+  <p:clrMapOvr>
+    <a:masterClrMapping/>
+  </p:clrMapOvr>
+  <p:timing>
+    <p:tnLst>
+      <p:par>
+        <p:cTn id="1" dur="indefinite" restart="never" nodeType="tmRoot">
+          <p:childTnLst>
+            <p:seq concurrent="1" nextAc="seek">
+              <p:cTn id="2" dur="indefinite" nodeType="mainSeq">
+                <p:childTnLst>
+                  <p:par>
+                    <p:cTn id="3" fill="hold">
+                      <p:stCondLst>
+                        <p:cond delay="indefinite"/>
+                      </p:stCondLst>
+                      <p:childTnLst>
+                        <p:par>
+                          <p:cTn id="4" fill="hold">
+                            <p:stCondLst>
+                              <p:cond delay="0"/>
+                            </p:stCondLst>
+                            <p:childTnLst>
+                              <p:par>
+                                <p:cTn id="5" presetID="1" presetClass="entr" presetSubtype="0" fill="hold" nodeType="clickEffect">
+                                  <p:stCondLst>
+                                    <p:cond delay="0"/>
+                                  </p:stCondLst>
+                                  <p:childTnLst>
+                                    <p:set>
+                                      <p:cBhvr>
+                                        <p:cTn id="6" dur="1" fill="hold">
+                                          <p:stCondLst>
+                                            <p:cond delay="0"/>
+                                          </p:stCondLst>
+                                        </p:cTn>
+                                        <p:tgtEl>
+                                          <p:spTgt spid="5"/>
+                                        </p:tgtEl>
+                                        <p:attrNameLst>
+                                          <p:attrName>style.visibility</p:attrName>
+                                        </p:attrNameLst>
+                                      </p:cBhvr>
+                                      <p:to>
+                                        <p:strVal val="visible"/>
+                                      </p:to>
+                                    </p:set>
+                                  </p:childTnLst>
+                                </p:cTn>
+                              </p:par>
+                            </p:childTnLst>
+                          </p:cTn>
+                        </p:par>
+                      </p:childTnLst>
+                    </p:cTn>
+                  </p:par>
+                </p:childTnLst>
+              </p:cTn>
+              <p:prevCondLst>
+                <p:cond evt="onPrev" delay="0">
+                  <p:tgtEl>
+                    <p:sldTgt/>
+                  </p:tgtEl>
+                </p:cond>
+              </p:prevCondLst>
+              <p:nextCondLst>
+                <p:cond evt="onNext" delay="0">
+                  <p:tgtEl>
+                    <p:sldTgt/>
+                  </p:tgtEl>
+                </p:cond>
+              </p:nextCondLst>
+            </p:seq>
+          </p:childTnLst>
+        </p:cTn>
+      </p:par>
+    </p:tnLst>
+  </p:timing>
+</p:sld>
+</file>
+
+<file path=ppt/slides/slide21.xml><?xml version="1.0" encoding="utf-8"?>
 <p:sld xmlns:a="http://schemas.openxmlformats.org/drawingml/2006/main" xmlns:r="http://schemas.openxmlformats.org/officeDocument/2006/relationships" xmlns:p="http://schemas.openxmlformats.org/presentationml/2006/main">
   <p:cSld>
     <p:spTree>
@@ -21407,7 +23315,31 @@
                 </a:solidFill>
                 <a:latin typeface="+mn-lt"/>
               </a:rPr>
-              <a:t>2.4 </a:t>
+              <a:t>2.</a:t>
+            </a:r>
+            <a:r>
+              <a:rPr lang="en-US" altLang="zh-CN" dirty="0">
+                <a:solidFill>
+                  <a:schemeClr val="tx1">
+                    <a:lumMod val="75000"/>
+                    <a:lumOff val="25000"/>
+                  </a:schemeClr>
+                </a:solidFill>
+                <a:latin typeface="+mn-lt"/>
+              </a:rPr>
+              <a:t>6</a:t>
+            </a:r>
+            <a:r>
+              <a:rPr lang="en-PH" dirty="0">
+                <a:solidFill>
+                  <a:schemeClr val="tx1">
+                    <a:lumMod val="75000"/>
+                    <a:lumOff val="25000"/>
+                  </a:schemeClr>
+                </a:solidFill>
+                <a:latin typeface="+mn-lt"/>
+              </a:rPr>
+              <a:t> </a:t>
             </a:r>
             <a:r>
               <a:rPr lang="en-PH" dirty="0" err="1">
@@ -21419,7 +23351,7 @@
                 </a:solidFill>
                 <a:latin typeface="+mn-lt"/>
               </a:rPr>
-              <a:t>栈帧设计</a:t>
+              <a:t>执行上下文的设计</a:t>
             </a:r>
             <a:endParaRPr lang="en-PH" dirty="0">
               <a:solidFill>
@@ -21454,116 +23386,18 @@
         </p:blipFill>
         <p:spPr>
           <a:xfrm>
-            <a:off x="1279695" y="1876376"/>
-            <a:ext cx="9410700" cy="4089987"/>
+            <a:off x="1398864" y="1468826"/>
+            <a:ext cx="9410700" cy="3442045"/>
           </a:xfrm>
           <a:prstGeom prst="rect">
             <a:avLst/>
           </a:prstGeom>
         </p:spPr>
       </p:pic>
-      <p:sp>
-        <p:nvSpPr>
-          <p:cNvPr id="3" name="TextBox 2">
-            <a:extLst>
-              <a:ext uri="{FF2B5EF4-FFF2-40B4-BE49-F238E27FC236}">
-                <a16:creationId xmlns:a16="http://schemas.microsoft.com/office/drawing/2014/main" id="{1A9B921C-3578-894D-BDA4-6109043A2CB4}"/>
-              </a:ext>
-            </a:extLst>
-          </p:cNvPr>
-          <p:cNvSpPr txBox="1"/>
-          <p:nvPr/>
-        </p:nvSpPr>
-        <p:spPr>
-          <a:xfrm>
-            <a:off x="844062" y="947024"/>
-            <a:ext cx="10733708" cy="276999"/>
-          </a:xfrm>
-          <a:prstGeom prst="rect">
-            <a:avLst/>
-          </a:prstGeom>
-          <a:noFill/>
-        </p:spPr>
-        <p:txBody>
-          <a:bodyPr wrap="none" lIns="0" tIns="0" rIns="0" bIns="0" rtlCol="0">
-            <a:spAutoFit/>
-          </a:bodyPr>
-          <a:lstStyle/>
-          <a:p>
-            <a:pPr fontAlgn="base">
-              <a:spcBef>
-                <a:spcPct val="50000"/>
-              </a:spcBef>
-              <a:spcAft>
-                <a:spcPct val="0"/>
-              </a:spcAft>
-              <a:buClr>
-                <a:srgbClr val="F0AB00"/>
-              </a:buClr>
-              <a:buSzPct val="80000"/>
-            </a:pPr>
-            <a:r>
-              <a:rPr lang="ja-JP" altLang="en-US" sz="1800" kern="0">
-                <a:ea typeface="Arial Unicode MS" pitchFamily="34" charset="-128"/>
-                <a:cs typeface="Arial Unicode MS" pitchFamily="34" charset="-128"/>
-              </a:rPr>
-              <a:t>代码执行时</a:t>
-            </a:r>
-            <a:r>
-              <a:rPr lang="en-US" altLang="zh-CN" sz="1800" kern="0" dirty="0">
-                <a:ea typeface="Arial Unicode MS" pitchFamily="34" charset="-128"/>
-                <a:cs typeface="Arial Unicode MS" pitchFamily="34" charset="-128"/>
-              </a:rPr>
-              <a:t>,</a:t>
-            </a:r>
-            <a:r>
-              <a:rPr lang="zh-CN" altLang="en-US" sz="1800" kern="0" dirty="0">
-                <a:ea typeface="Arial Unicode MS" pitchFamily="34" charset="-128"/>
-                <a:cs typeface="Arial Unicode MS" pitchFamily="34" charset="-128"/>
-              </a:rPr>
-              <a:t> 每</a:t>
-            </a:r>
-            <a:r>
-              <a:rPr lang="ja-JP" altLang="en-US" sz="1800" kern="0">
-                <a:ea typeface="Arial Unicode MS" pitchFamily="34" charset="-128"/>
-                <a:cs typeface="Arial Unicode MS" pitchFamily="34" charset="-128"/>
-              </a:rPr>
-              <a:t>进入一个作用域，就往栈里压入一个数据结构，这个数据结构叫做</a:t>
-            </a:r>
-            <a:r>
-              <a:rPr lang="ja-JP" altLang="en-US" sz="1800" kern="0">
-                <a:solidFill>
-                  <a:srgbClr val="FF0000"/>
-                </a:solidFill>
-                <a:ea typeface="Arial Unicode MS" pitchFamily="34" charset="-128"/>
-                <a:cs typeface="Arial Unicode MS" pitchFamily="34" charset="-128"/>
-              </a:rPr>
-              <a:t>栈桢（</a:t>
-            </a:r>
-            <a:r>
-              <a:rPr lang="en-US" sz="1800" kern="0" dirty="0">
-                <a:solidFill>
-                  <a:srgbClr val="FF0000"/>
-                </a:solidFill>
-                <a:ea typeface="Arial Unicode MS" pitchFamily="34" charset="-128"/>
-                <a:cs typeface="Arial Unicode MS" pitchFamily="34" charset="-128"/>
-              </a:rPr>
-              <a:t>Stack Frame ）。</a:t>
-            </a:r>
-            <a:endParaRPr lang="en-CN" sz="1800" kern="0" dirty="0" err="1">
-              <a:solidFill>
-                <a:srgbClr val="FF0000"/>
-              </a:solidFill>
-              <a:ea typeface="Arial Unicode MS" pitchFamily="34" charset="-128"/>
-              <a:cs typeface="Arial Unicode MS" pitchFamily="34" charset="-128"/>
-            </a:endParaRPr>
-          </a:p>
-        </p:txBody>
-      </p:sp>
     </p:spTree>
     <p:extLst>
       <p:ext uri="{BB962C8B-B14F-4D97-AF65-F5344CB8AC3E}">
-        <p14:creationId xmlns:p14="http://schemas.microsoft.com/office/powerpoint/2010/main" val="47798121"/>
+        <p14:creationId xmlns:p14="http://schemas.microsoft.com/office/powerpoint/2010/main" val="1765640273"/>
       </p:ext>
     </p:extLst>
   </p:cSld>
@@ -21573,7 +23407,7 @@
 </p:sld>
 </file>
 
-<file path=ppt/slides/slide19.xml><?xml version="1.0" encoding="utf-8"?>
+<file path=ppt/slides/slide22.xml><?xml version="1.0" encoding="utf-8"?>
 <p:sld xmlns:a="http://schemas.openxmlformats.org/drawingml/2006/main" xmlns:r="http://schemas.openxmlformats.org/officeDocument/2006/relationships" xmlns:p="http://schemas.openxmlformats.org/presentationml/2006/main">
   <p:cSld>
     <p:spTree>
@@ -21656,7 +23490,7 @@
                 </a:solidFill>
                 <a:latin typeface="+mn-lt"/>
               </a:rPr>
-              <a:t>5</a:t>
+              <a:t>7</a:t>
             </a:r>
             <a:r>
               <a:rPr lang="en-PH" dirty="0">
@@ -22028,65 +23862,6 @@
           </a:p>
         </p:txBody>
       </p:sp>
-      <p:pic>
-        <p:nvPicPr>
-          <p:cNvPr id="12" name="Picture 11">
-            <a:extLst>
-              <a:ext uri="{FF2B5EF4-FFF2-40B4-BE49-F238E27FC236}">
-                <a16:creationId xmlns:a16="http://schemas.microsoft.com/office/drawing/2014/main" id="{FAD212EE-F579-D94E-B93F-05CF6FAC373E}"/>
-              </a:ext>
-            </a:extLst>
-          </p:cNvPr>
-          <p:cNvPicPr>
-            <a:picLocks noChangeAspect="1"/>
-          </p:cNvPicPr>
-          <p:nvPr/>
-        </p:nvPicPr>
-        <p:blipFill>
-          <a:blip r:embed="rId2"/>
-          <a:stretch>
-            <a:fillRect/>
-          </a:stretch>
-        </p:blipFill>
-        <p:spPr>
-          <a:xfrm>
-            <a:off x="163662" y="3856956"/>
-            <a:ext cx="4762500" cy="2044700"/>
-          </a:xfrm>
-          <a:prstGeom prst="rect">
-            <a:avLst/>
-          </a:prstGeom>
-        </p:spPr>
-      </p:pic>
-      <p:pic>
-        <p:nvPicPr>
-          <p:cNvPr id="13" name="Picture 12">
-            <a:extLst>
-              <a:ext uri="{FF2B5EF4-FFF2-40B4-BE49-F238E27FC236}">
-                <a16:creationId xmlns:a16="http://schemas.microsoft.com/office/drawing/2014/main" id="{2B272AA3-54AD-7B4E-85D0-22453484D10B}"/>
-              </a:ext>
-            </a:extLst>
-          </p:cNvPr>
-          <p:cNvPicPr>
-            <a:picLocks noChangeAspect="1"/>
-          </p:cNvPicPr>
-          <p:nvPr/>
-        </p:nvPicPr>
-        <p:blipFill>
-          <a:blip r:embed="rId3"/>
-          <a:srcRect/>
-          <a:stretch/>
-        </p:blipFill>
-        <p:spPr>
-          <a:xfrm>
-            <a:off x="5519692" y="3696638"/>
-            <a:ext cx="6511821" cy="2345093"/>
-          </a:xfrm>
-          <a:prstGeom prst="rect">
-            <a:avLst/>
-          </a:prstGeom>
-        </p:spPr>
-      </p:pic>
       <p:sp>
         <p:nvSpPr>
           <p:cNvPr id="14" name="Up-Down Arrow 13">
@@ -22164,8 +23939,8 @@
         </p:nvSpPr>
         <p:spPr bwMode="gray">
           <a:xfrm>
-            <a:off x="9796634" y="2662133"/>
-            <a:ext cx="323556" cy="991416"/>
+            <a:off x="9796634" y="2595955"/>
+            <a:ext cx="323556" cy="779822"/>
           </a:xfrm>
           <a:prstGeom prst="upDownArrow">
             <a:avLst/>
@@ -22213,6 +23988,109 @@
           </a:p>
         </p:txBody>
       </p:sp>
+      <p:sp>
+        <p:nvSpPr>
+          <p:cNvPr id="2" name="Rectangle 1">
+            <a:extLst>
+              <a:ext uri="{FF2B5EF4-FFF2-40B4-BE49-F238E27FC236}">
+                <a16:creationId xmlns:a16="http://schemas.microsoft.com/office/drawing/2014/main" id="{21F5A721-C495-6F43-9BFB-1E0FBC783E9D}"/>
+              </a:ext>
+            </a:extLst>
+          </p:cNvPr>
+          <p:cNvSpPr/>
+          <p:nvPr/>
+        </p:nvSpPr>
+        <p:spPr>
+          <a:xfrm>
+            <a:off x="163662" y="3849921"/>
+            <a:ext cx="5108982" cy="1384995"/>
+          </a:xfrm>
+          <a:prstGeom prst="rect">
+            <a:avLst/>
+          </a:prstGeom>
+        </p:spPr>
+        <p:txBody>
+          <a:bodyPr wrap="square">
+            <a:spAutoFit/>
+          </a:bodyPr>
+          <a:lstStyle/>
+          <a:p>
+            <a:r>
+              <a:rPr lang="en-US" sz="1400" dirty="0">
+                <a:latin typeface="Monaco" pitchFamily="2" charset="77"/>
+              </a:rPr>
+              <a:t>// Context Stack implementation</a:t>
+            </a:r>
+          </a:p>
+          <a:p>
+            <a:r>
+              <a:rPr lang="en-US" sz="1400" dirty="0">
+                <a:latin typeface="Monaco" pitchFamily="2" charset="77"/>
+              </a:rPr>
+              <a:t>Stack&lt;Context&gt; ECStack = new Stack&lt;Context&gt;();</a:t>
+            </a:r>
+          </a:p>
+          <a:p>
+            <a:endParaRPr lang="en-US" sz="1400" dirty="0">
+              <a:latin typeface="Monaco" pitchFamily="2" charset="77"/>
+            </a:endParaRPr>
+          </a:p>
+          <a:p>
+            <a:r>
+              <a:rPr lang="en-US" sz="1400" dirty="0">
+                <a:latin typeface="Monaco" pitchFamily="2" charset="77"/>
+              </a:rPr>
+              <a:t>// When entry if block:</a:t>
+            </a:r>
+          </a:p>
+          <a:p>
+            <a:r>
+              <a:rPr lang="en-US" sz="1400" dirty="0">
+                <a:latin typeface="Monaco" pitchFamily="2" charset="77"/>
+              </a:rPr>
+              <a:t>Context iFContext = new Context();</a:t>
+            </a:r>
+          </a:p>
+          <a:p>
+            <a:r>
+              <a:rPr lang="en-US" sz="1400" dirty="0">
+                <a:latin typeface="Monaco" pitchFamily="2" charset="77"/>
+              </a:rPr>
+              <a:t>ECStack.push(iFContext);</a:t>
+            </a:r>
+          </a:p>
+        </p:txBody>
+      </p:sp>
+      <p:pic>
+        <p:nvPicPr>
+          <p:cNvPr id="3" name="Picture 2">
+            <a:extLst>
+              <a:ext uri="{FF2B5EF4-FFF2-40B4-BE49-F238E27FC236}">
+                <a16:creationId xmlns:a16="http://schemas.microsoft.com/office/drawing/2014/main" id="{74CD6843-D679-6549-831D-A1B9D0EF1268}"/>
+              </a:ext>
+            </a:extLst>
+          </p:cNvPr>
+          <p:cNvPicPr>
+            <a:picLocks noChangeAspect="1"/>
+          </p:cNvPicPr>
+          <p:nvPr/>
+        </p:nvPicPr>
+        <p:blipFill>
+          <a:blip r:embed="rId2"/>
+          <a:stretch>
+            <a:fillRect/>
+          </a:stretch>
+        </p:blipFill>
+        <p:spPr>
+          <a:xfrm>
+            <a:off x="5511393" y="3429000"/>
+            <a:ext cx="6578600" cy="3111500"/>
+          </a:xfrm>
+          <a:prstGeom prst="rect">
+            <a:avLst/>
+          </a:prstGeom>
+        </p:spPr>
+      </p:pic>
     </p:spTree>
     <p:extLst>
       <p:ext uri="{BB962C8B-B14F-4D97-AF65-F5344CB8AC3E}">
@@ -22226,337 +24104,7 @@
 </p:sld>
 </file>
 
-<file path=ppt/slides/slide2.xml><?xml version="1.0" encoding="utf-8"?>
-<p:sld xmlns:a="http://schemas.openxmlformats.org/drawingml/2006/main" xmlns:r="http://schemas.openxmlformats.org/officeDocument/2006/relationships" xmlns:p="http://schemas.openxmlformats.org/presentationml/2006/main">
-  <p:cSld>
-    <p:spTree>
-      <p:nvGrpSpPr>
-        <p:cNvPr id="1" name=""/>
-        <p:cNvGrpSpPr/>
-        <p:nvPr/>
-      </p:nvGrpSpPr>
-      <p:grpSpPr>
-        <a:xfrm>
-          <a:off x="0" y="0"/>
-          <a:ext cx="0" cy="0"/>
-          <a:chOff x="0" y="0"/>
-          <a:chExt cx="0" cy="0"/>
-        </a:xfrm>
-      </p:grpSpPr>
-      <p:graphicFrame>
-        <p:nvGraphicFramePr>
-          <p:cNvPr id="3" name="Diagram 2">
-            <a:extLst>
-              <a:ext uri="{FF2B5EF4-FFF2-40B4-BE49-F238E27FC236}">
-                <a16:creationId xmlns:a16="http://schemas.microsoft.com/office/drawing/2014/main" id="{E83A7445-87B2-1343-9F28-C89B26228D1F}"/>
-              </a:ext>
-            </a:extLst>
-          </p:cNvPr>
-          <p:cNvGraphicFramePr/>
-          <p:nvPr>
-            <p:extLst>
-              <p:ext uri="{D42A27DB-BD31-4B8C-83A1-F6EECF244321}">
-                <p14:modId xmlns:p14="http://schemas.microsoft.com/office/powerpoint/2010/main" val="3407114345"/>
-              </p:ext>
-            </p:extLst>
-          </p:nvPr>
-        </p:nvGraphicFramePr>
-        <p:xfrm>
-          <a:off x="2032529" y="718961"/>
-          <a:ext cx="8130117" cy="5420078"/>
-        </p:xfrm>
-        <a:graphic>
-          <a:graphicData uri="http://schemas.openxmlformats.org/drawingml/2006/diagram">
-            <dgm:relIds xmlns:dgm="http://schemas.openxmlformats.org/drawingml/2006/diagram" xmlns:r="http://schemas.openxmlformats.org/officeDocument/2006/relationships" r:dm="rId2" r:lo="rId3" r:qs="rId4" r:cs="rId5"/>
-          </a:graphicData>
-        </a:graphic>
-      </p:graphicFrame>
-      <p:sp>
-        <p:nvSpPr>
-          <p:cNvPr id="40" name="Title 1">
-            <a:extLst>
-              <a:ext uri="{FF2B5EF4-FFF2-40B4-BE49-F238E27FC236}">
-                <a16:creationId xmlns:a16="http://schemas.microsoft.com/office/drawing/2014/main" id="{3CF8293F-B437-3C42-9C61-244ACAF525EA}"/>
-              </a:ext>
-            </a:extLst>
-          </p:cNvPr>
-          <p:cNvSpPr txBox="1">
-            <a:spLocks/>
-          </p:cNvSpPr>
-          <p:nvPr/>
-        </p:nvSpPr>
-        <p:spPr bwMode="black">
-          <a:xfrm>
-            <a:off x="1876771" y="318746"/>
-            <a:ext cx="8759687" cy="369332"/>
-          </a:xfrm>
-          <a:prstGeom prst="rect">
-            <a:avLst/>
-          </a:prstGeom>
-        </p:spPr>
-        <p:txBody>
-          <a:bodyPr vert="horz" wrap="square" lIns="0" tIns="0" rIns="0" bIns="0" rtlCol="0" anchor="t" anchorCtr="0">
-            <a:spAutoFit/>
-          </a:bodyPr>
-          <a:lstStyle>
-            <a:lvl1pPr algn="l" defTabSz="1088558" rtl="0" eaLnBrk="1" latinLnBrk="0" hangingPunct="1">
-              <a:spcBef>
-                <a:spcPct val="0"/>
-              </a:spcBef>
-              <a:buNone/>
-              <a:defRPr sz="2400" b="1" kern="1200" baseline="0">
-                <a:solidFill>
-                  <a:schemeClr val="tx1"/>
-                </a:solidFill>
-                <a:latin typeface="+mj-lt"/>
-                <a:ea typeface="+mj-ea"/>
-                <a:cs typeface="+mj-cs"/>
-              </a:defRPr>
-            </a:lvl1pPr>
-          </a:lstStyle>
-          <a:p>
-            <a:pPr algn="ctr"/>
-            <a:r>
-              <a:rPr lang="en-PH">
-                <a:solidFill>
-                  <a:schemeClr val="tx1">
-                    <a:lumMod val="75000"/>
-                    <a:lumOff val="25000"/>
-                  </a:schemeClr>
-                </a:solidFill>
-                <a:latin typeface="+mn-lt"/>
-              </a:rPr>
-              <a:t>Agenda</a:t>
-            </a:r>
-          </a:p>
-        </p:txBody>
-      </p:sp>
-      <p:sp>
-        <p:nvSpPr>
-          <p:cNvPr id="6" name="TextBox 5">
-            <a:extLst>
-              <a:ext uri="{FF2B5EF4-FFF2-40B4-BE49-F238E27FC236}">
-                <a16:creationId xmlns:a16="http://schemas.microsoft.com/office/drawing/2014/main" id="{67930AFE-0B12-414B-9B0C-35A90E93E849}"/>
-              </a:ext>
-            </a:extLst>
-          </p:cNvPr>
-          <p:cNvSpPr txBox="1"/>
-          <p:nvPr/>
-        </p:nvSpPr>
-        <p:spPr>
-          <a:xfrm>
-            <a:off x="2391508" y="1406769"/>
-            <a:ext cx="500137" cy="276999"/>
-          </a:xfrm>
-          <a:prstGeom prst="rect">
-            <a:avLst/>
-          </a:prstGeom>
-          <a:noFill/>
-        </p:spPr>
-        <p:txBody>
-          <a:bodyPr wrap="none" lIns="0" tIns="0" rIns="0" bIns="0" rtlCol="0">
-            <a:spAutoFit/>
-          </a:bodyPr>
-          <a:lstStyle/>
-          <a:p>
-            <a:pPr fontAlgn="base">
-              <a:spcBef>
-                <a:spcPct val="50000"/>
-              </a:spcBef>
-              <a:spcAft>
-                <a:spcPct val="0"/>
-              </a:spcAft>
-              <a:buClr>
-                <a:srgbClr val="F0AB00"/>
-              </a:buClr>
-              <a:buSzPct val="80000"/>
-            </a:pPr>
-            <a:r>
-              <a:rPr lang="en-CN" sz="1800" kern="0">
-                <a:solidFill>
-                  <a:schemeClr val="accent1"/>
-                </a:solidFill>
-                <a:ea typeface="Arial Unicode MS" pitchFamily="34" charset="-128"/>
-                <a:cs typeface="Arial Unicode MS" pitchFamily="34" charset="-128"/>
-              </a:rPr>
-              <a:t>0x00</a:t>
-            </a:r>
-          </a:p>
-        </p:txBody>
-      </p:sp>
-      <p:sp>
-        <p:nvSpPr>
-          <p:cNvPr id="44" name="TextBox 43">
-            <a:extLst>
-              <a:ext uri="{FF2B5EF4-FFF2-40B4-BE49-F238E27FC236}">
-                <a16:creationId xmlns:a16="http://schemas.microsoft.com/office/drawing/2014/main" id="{F2B1AE77-B015-A149-9E80-51FA75CF2B8F}"/>
-              </a:ext>
-            </a:extLst>
-          </p:cNvPr>
-          <p:cNvSpPr txBox="1"/>
-          <p:nvPr/>
-        </p:nvSpPr>
-        <p:spPr>
-          <a:xfrm>
-            <a:off x="2891645" y="2638714"/>
-            <a:ext cx="500137" cy="276999"/>
-          </a:xfrm>
-          <a:prstGeom prst="rect">
-            <a:avLst/>
-          </a:prstGeom>
-          <a:noFill/>
-        </p:spPr>
-        <p:txBody>
-          <a:bodyPr wrap="none" lIns="0" tIns="0" rIns="0" bIns="0" rtlCol="0">
-            <a:spAutoFit/>
-          </a:bodyPr>
-          <a:lstStyle/>
-          <a:p>
-            <a:pPr fontAlgn="base">
-              <a:spcBef>
-                <a:spcPct val="50000"/>
-              </a:spcBef>
-              <a:spcAft>
-                <a:spcPct val="0"/>
-              </a:spcAft>
-              <a:buClr>
-                <a:srgbClr val="F0AB00"/>
-              </a:buClr>
-              <a:buSzPct val="80000"/>
-            </a:pPr>
-            <a:r>
-              <a:rPr lang="en-CN" sz="1800" kern="0">
-                <a:solidFill>
-                  <a:schemeClr val="accent1"/>
-                </a:solidFill>
-                <a:ea typeface="Arial Unicode MS" pitchFamily="34" charset="-128"/>
-                <a:cs typeface="Arial Unicode MS" pitchFamily="34" charset="-128"/>
-              </a:rPr>
-              <a:t>0x01</a:t>
-            </a:r>
-          </a:p>
-        </p:txBody>
-      </p:sp>
-      <p:sp>
-        <p:nvSpPr>
-          <p:cNvPr id="50" name="TextBox 49">
-            <a:extLst>
-              <a:ext uri="{FF2B5EF4-FFF2-40B4-BE49-F238E27FC236}">
-                <a16:creationId xmlns:a16="http://schemas.microsoft.com/office/drawing/2014/main" id="{5FDB486F-3259-794B-8F81-6CBE5738D5EE}"/>
-              </a:ext>
-            </a:extLst>
-          </p:cNvPr>
-          <p:cNvSpPr txBox="1"/>
-          <p:nvPr/>
-        </p:nvSpPr>
-        <p:spPr>
-          <a:xfrm>
-            <a:off x="2891644" y="3942288"/>
-            <a:ext cx="500137" cy="276999"/>
-          </a:xfrm>
-          <a:prstGeom prst="rect">
-            <a:avLst/>
-          </a:prstGeom>
-          <a:noFill/>
-        </p:spPr>
-        <p:txBody>
-          <a:bodyPr wrap="none" lIns="0" tIns="0" rIns="0" bIns="0" rtlCol="0">
-            <a:spAutoFit/>
-          </a:bodyPr>
-          <a:lstStyle/>
-          <a:p>
-            <a:pPr fontAlgn="base">
-              <a:spcBef>
-                <a:spcPct val="50000"/>
-              </a:spcBef>
-              <a:spcAft>
-                <a:spcPct val="0"/>
-              </a:spcAft>
-              <a:buClr>
-                <a:srgbClr val="F0AB00"/>
-              </a:buClr>
-              <a:buSzPct val="80000"/>
-            </a:pPr>
-            <a:r>
-              <a:rPr lang="en-CN" sz="1800" kern="0">
-                <a:solidFill>
-                  <a:schemeClr val="accent1"/>
-                </a:solidFill>
-                <a:ea typeface="Arial Unicode MS" pitchFamily="34" charset="-128"/>
-                <a:cs typeface="Arial Unicode MS" pitchFamily="34" charset="-128"/>
-              </a:rPr>
-              <a:t>0x02</a:t>
-            </a:r>
-          </a:p>
-        </p:txBody>
-      </p:sp>
-      <p:sp>
-        <p:nvSpPr>
-          <p:cNvPr id="51" name="TextBox 50">
-            <a:extLst>
-              <a:ext uri="{FF2B5EF4-FFF2-40B4-BE49-F238E27FC236}">
-                <a16:creationId xmlns:a16="http://schemas.microsoft.com/office/drawing/2014/main" id="{8A10BEDA-F97A-5C40-93E8-C5FB5C8EFDEB}"/>
-              </a:ext>
-            </a:extLst>
-          </p:cNvPr>
-          <p:cNvSpPr txBox="1"/>
-          <p:nvPr/>
-        </p:nvSpPr>
-        <p:spPr>
-          <a:xfrm>
-            <a:off x="2391507" y="5174233"/>
-            <a:ext cx="500137" cy="276999"/>
-          </a:xfrm>
-          <a:prstGeom prst="rect">
-            <a:avLst/>
-          </a:prstGeom>
-          <a:noFill/>
-        </p:spPr>
-        <p:txBody>
-          <a:bodyPr wrap="none" lIns="0" tIns="0" rIns="0" bIns="0" rtlCol="0">
-            <a:spAutoFit/>
-          </a:bodyPr>
-          <a:lstStyle/>
-          <a:p>
-            <a:pPr fontAlgn="base">
-              <a:spcBef>
-                <a:spcPct val="50000"/>
-              </a:spcBef>
-              <a:spcAft>
-                <a:spcPct val="0"/>
-              </a:spcAft>
-              <a:buClr>
-                <a:srgbClr val="F0AB00"/>
-              </a:buClr>
-              <a:buSzPct val="80000"/>
-            </a:pPr>
-            <a:r>
-              <a:rPr lang="en-CN" sz="1800" kern="0">
-                <a:solidFill>
-                  <a:schemeClr val="accent1"/>
-                </a:solidFill>
-                <a:ea typeface="Arial Unicode MS" pitchFamily="34" charset="-128"/>
-                <a:cs typeface="Arial Unicode MS" pitchFamily="34" charset="-128"/>
-              </a:rPr>
-              <a:t>0x03</a:t>
-            </a:r>
-          </a:p>
-        </p:txBody>
-      </p:sp>
-    </p:spTree>
-    <p:extLst>
-      <p:ext uri="{BB962C8B-B14F-4D97-AF65-F5344CB8AC3E}">
-        <p14:creationId xmlns:p14="http://schemas.microsoft.com/office/powerpoint/2010/main" val="3977336685"/>
-      </p:ext>
-    </p:extLst>
-  </p:cSld>
-  <p:clrMapOvr>
-    <a:masterClrMapping/>
-  </p:clrMapOvr>
-</p:sld>
-</file>
-
-<file path=ppt/slides/slide20.xml><?xml version="1.0" encoding="utf-8"?>
+<file path=ppt/slides/slide23.xml><?xml version="1.0" encoding="utf-8"?>
 <p:sld xmlns:a="http://schemas.openxmlformats.org/drawingml/2006/main" xmlns:r="http://schemas.openxmlformats.org/officeDocument/2006/relationships" xmlns:p="http://schemas.openxmlformats.org/presentationml/2006/main">
   <p:cSld>
     <p:spTree>
@@ -22625,7 +24173,7 @@
 </p:sld>
 </file>
 
-<file path=ppt/slides/slide21.xml><?xml version="1.0" encoding="utf-8"?>
+<file path=ppt/slides/slide24.xml><?xml version="1.0" encoding="utf-8"?>
 <p:sld xmlns:a="http://schemas.openxmlformats.org/drawingml/2006/main" xmlns:r="http://schemas.openxmlformats.org/officeDocument/2006/relationships" xmlns:p="http://schemas.openxmlformats.org/presentationml/2006/main">
   <p:cSld>
     <p:spTree>
@@ -23000,7 +24548,7 @@
 </p:sld>
 </file>
 
-<file path=ppt/slides/slide22.xml><?xml version="1.0" encoding="utf-8"?>
+<file path=ppt/slides/slide25.xml><?xml version="1.0" encoding="utf-8"?>
 <p:sld xmlns:a="http://schemas.openxmlformats.org/drawingml/2006/main" xmlns:r="http://schemas.openxmlformats.org/officeDocument/2006/relationships" xmlns:p="http://schemas.openxmlformats.org/presentationml/2006/main">
   <p:cSld>
     <p:spTree>
@@ -23059,7 +24607,7 @@
                   <a:schemeClr val="accent3"/>
                 </a:solidFill>
               </a:rPr>
-              <a:t>如何解决函数返回的函数</a:t>
+              <a:t>函数返回的函数</a:t>
             </a:r>
             <a:r>
               <a:rPr lang="en-US" dirty="0" err="1">
@@ -23128,7 +24676,7 @@
 </p:sld>
 </file>
 
-<file path=ppt/slides/slide23.xml><?xml version="1.0" encoding="utf-8"?>
+<file path=ppt/slides/slide26.xml><?xml version="1.0" encoding="utf-8"?>
 <p:sld xmlns:a="http://schemas.openxmlformats.org/drawingml/2006/main" xmlns:r="http://schemas.openxmlformats.org/officeDocument/2006/relationships" xmlns:p="http://schemas.openxmlformats.org/presentationml/2006/main">
   <p:cSld>
     <p:spTree>
@@ -23240,7 +24788,7 @@
         <p:spPr>
           <a:xfrm>
             <a:off x="844062" y="1083212"/>
-            <a:ext cx="10635175" cy="1384995"/>
+            <a:ext cx="10635175" cy="2077492"/>
           </a:xfrm>
           <a:prstGeom prst="rect">
             <a:avLst/>
@@ -23331,7 +24879,7 @@
                 <a:ea typeface="Arial Unicode MS" pitchFamily="34" charset="-128"/>
                 <a:cs typeface="Arial Unicode MS" pitchFamily="34" charset="-128"/>
               </a:rPr>
-              <a:t>栈帧将会销毁</a:t>
+              <a:t>上下文会销毁</a:t>
             </a:r>
             <a:r>
               <a:rPr lang="en-US" altLang="zh-CN" sz="1800" kern="0" dirty="0">
@@ -23345,7 +24893,7 @@
                 <a:ea typeface="Arial Unicode MS" pitchFamily="34" charset="-128"/>
                 <a:cs typeface="Arial Unicode MS" pitchFamily="34" charset="-128"/>
               </a:rPr>
-              <a:t> 而父级栈帧的销毁会使得父级栈帧中的变量查找失败</a:t>
+              <a:t> 而父级上下文的销毁会使得父级上下文中的变量引用失败</a:t>
             </a:r>
             <a:r>
               <a:rPr lang="en-US" altLang="zh-CN" sz="1800" kern="0" dirty="0">
@@ -23405,11 +24953,11 @@
               <a:buSzPct val="80000"/>
             </a:pPr>
             <a:r>
-              <a:rPr lang="en-US" sz="1800" kern="0" dirty="0" err="1">
+              <a:rPr lang="zh-CN" altLang="en-US" sz="1800" kern="0" dirty="0">
                 <a:ea typeface="Arial Unicode MS" pitchFamily="34" charset="-128"/>
                 <a:cs typeface="Arial Unicode MS" pitchFamily="34" charset="-128"/>
               </a:rPr>
-              <a:t>因此</a:t>
+              <a:t>在函数作为返回值被返回时</a:t>
             </a:r>
             <a:r>
               <a:rPr lang="en-US" altLang="zh-CN" sz="1800" kern="0" dirty="0">
@@ -23423,7 +24971,35 @@
                 <a:ea typeface="Arial Unicode MS" pitchFamily="34" charset="-128"/>
                 <a:cs typeface="Arial Unicode MS" pitchFamily="34" charset="-128"/>
               </a:rPr>
-              <a:t> 在函数作为返回值被返回时</a:t>
+              <a:t> 必须将来自父级上下文中的变量打包</a:t>
+            </a:r>
+            <a:r>
+              <a:rPr lang="en-US" altLang="zh-CN" sz="1800" kern="0" dirty="0">
+                <a:ea typeface="Arial Unicode MS" pitchFamily="34" charset="-128"/>
+                <a:cs typeface="Arial Unicode MS" pitchFamily="34" charset="-128"/>
+              </a:rPr>
+              <a:t>(function</a:t>
+            </a:r>
+            <a:r>
+              <a:rPr lang="zh-CN" altLang="en-US" sz="1800" kern="0" dirty="0">
+                <a:ea typeface="Arial Unicode MS" pitchFamily="34" charset="-128"/>
+                <a:cs typeface="Arial Unicode MS" pitchFamily="34" charset="-128"/>
+              </a:rPr>
+              <a:t> </a:t>
+            </a:r>
+            <a:r>
+              <a:rPr lang="en-US" altLang="zh-CN" sz="1800" kern="0" dirty="0">
+                <a:ea typeface="Arial Unicode MS" pitchFamily="34" charset="-128"/>
+                <a:cs typeface="Arial Unicode MS" pitchFamily="34" charset="-128"/>
+              </a:rPr>
+              <a:t>object)</a:t>
+            </a:r>
+            <a:r>
+              <a:rPr lang="zh-CN" altLang="en-US" sz="1800" kern="0" dirty="0">
+                <a:ea typeface="Arial Unicode MS" pitchFamily="34" charset="-128"/>
+                <a:cs typeface="Arial Unicode MS" pitchFamily="34" charset="-128"/>
+              </a:rPr>
+              <a:t>一起返回</a:t>
             </a:r>
             <a:r>
               <a:rPr lang="en-US" altLang="zh-CN" sz="1800" kern="0" dirty="0">
@@ -23437,35 +25013,21 @@
                 <a:ea typeface="Arial Unicode MS" pitchFamily="34" charset="-128"/>
                 <a:cs typeface="Arial Unicode MS" pitchFamily="34" charset="-128"/>
               </a:rPr>
-              <a:t> 必须将来自父级栈帧中的变量打包</a:t>
+              <a:t> 这个包就是闭包</a:t>
             </a:r>
             <a:r>
               <a:rPr lang="en-US" altLang="zh-CN" sz="1800" kern="0" dirty="0">
                 <a:ea typeface="Arial Unicode MS" pitchFamily="34" charset="-128"/>
                 <a:cs typeface="Arial Unicode MS" pitchFamily="34" charset="-128"/>
               </a:rPr>
-              <a:t>(function</a:t>
+              <a:t>.</a:t>
             </a:r>
             <a:r>
               <a:rPr lang="zh-CN" altLang="en-US" sz="1800" kern="0" dirty="0">
                 <a:ea typeface="Arial Unicode MS" pitchFamily="34" charset="-128"/>
                 <a:cs typeface="Arial Unicode MS" pitchFamily="34" charset="-128"/>
               </a:rPr>
-              <a:t> </a:t>
-            </a:r>
-            <a:r>
-              <a:rPr lang="en-US" altLang="zh-CN" sz="1800" kern="0" dirty="0">
-                <a:ea typeface="Arial Unicode MS" pitchFamily="34" charset="-128"/>
-                <a:cs typeface="Arial Unicode MS" pitchFamily="34" charset="-128"/>
-              </a:rPr>
-              <a:t>object)</a:t>
-            </a:r>
-            <a:r>
-              <a:rPr lang="zh-CN" altLang="en-US" sz="1800" kern="0" dirty="0">
-                <a:ea typeface="Arial Unicode MS" pitchFamily="34" charset="-128"/>
-                <a:cs typeface="Arial Unicode MS" pitchFamily="34" charset="-128"/>
-              </a:rPr>
-              <a:t>一起返回</a:t>
+              <a:t> 返回的函数在执行的时候</a:t>
             </a:r>
             <a:r>
               <a:rPr lang="en-US" altLang="zh-CN" sz="1800" kern="0" dirty="0">
@@ -23479,35 +25041,7 @@
                 <a:ea typeface="Arial Unicode MS" pitchFamily="34" charset="-128"/>
                 <a:cs typeface="Arial Unicode MS" pitchFamily="34" charset="-128"/>
               </a:rPr>
-              <a:t> 这个包就是闭包</a:t>
-            </a:r>
-            <a:r>
-              <a:rPr lang="en-US" altLang="zh-CN" sz="1800" kern="0" dirty="0">
-                <a:ea typeface="Arial Unicode MS" pitchFamily="34" charset="-128"/>
-                <a:cs typeface="Arial Unicode MS" pitchFamily="34" charset="-128"/>
-              </a:rPr>
-              <a:t>.</a:t>
-            </a:r>
-            <a:r>
-              <a:rPr lang="zh-CN" altLang="en-US" sz="1800" kern="0" dirty="0">
-                <a:ea typeface="Arial Unicode MS" pitchFamily="34" charset="-128"/>
-                <a:cs typeface="Arial Unicode MS" pitchFamily="34" charset="-128"/>
-              </a:rPr>
-              <a:t> 返回的函数在执行的时候</a:t>
-            </a:r>
-            <a:r>
-              <a:rPr lang="en-US" altLang="zh-CN" sz="1800" kern="0" dirty="0">
-                <a:ea typeface="Arial Unicode MS" pitchFamily="34" charset="-128"/>
-                <a:cs typeface="Arial Unicode MS" pitchFamily="34" charset="-128"/>
-              </a:rPr>
-              <a:t>,</a:t>
-            </a:r>
-            <a:r>
-              <a:rPr lang="zh-CN" altLang="en-US" sz="1800" kern="0" dirty="0">
-                <a:ea typeface="Arial Unicode MS" pitchFamily="34" charset="-128"/>
-                <a:cs typeface="Arial Unicode MS" pitchFamily="34" charset="-128"/>
-              </a:rPr>
-              <a:t> 作用域链中会多出一个闭包节点来</a:t>
+              <a:t> 作用域链中会多出一个闭包节点</a:t>
             </a:r>
             <a:r>
               <a:rPr lang="en-US" altLang="zh-CN" sz="1800" kern="0" dirty="0">
@@ -23536,7 +25070,7 @@
 </p:sld>
 </file>
 
-<file path=ppt/slides/slide24.xml><?xml version="1.0" encoding="utf-8"?>
+<file path=ppt/slides/slide27.xml><?xml version="1.0" encoding="utf-8"?>
 <p:sld xmlns:a="http://schemas.openxmlformats.org/drawingml/2006/main" xmlns:r="http://schemas.openxmlformats.org/officeDocument/2006/relationships" xmlns:p="http://schemas.openxmlformats.org/presentationml/2006/main">
   <p:cSld>
     <p:spTree>
@@ -23613,7 +25147,7 @@
 </p:sld>
 </file>
 
-<file path=ppt/slides/slide25.xml><?xml version="1.0" encoding="utf-8"?>
+<file path=ppt/slides/slide28.xml><?xml version="1.0" encoding="utf-8"?>
 <p:sld xmlns:a="http://schemas.openxmlformats.org/drawingml/2006/main" xmlns:r="http://schemas.openxmlformats.org/officeDocument/2006/relationships" xmlns:p="http://schemas.openxmlformats.org/presentationml/2006/main">
   <p:cSld>
     <p:spTree>
@@ -23858,7 +25392,7 @@
                 </a:solidFill>
                 <a:latin typeface="+mn-lt"/>
               </a:rPr>
-              <a:t>申明</a:t>
+              <a:t>申明全局作用域</a:t>
             </a:r>
             <a:endParaRPr lang="en-PH" dirty="0">
               <a:solidFill>
@@ -25943,6 +27477,12 @@
 </file>
 
 <file path=customXml/item2.xml><?xml version="1.0" encoding="utf-8"?>
+<p:properties xmlns:p="http://schemas.microsoft.com/office/2006/metadata/properties" xmlns:xsi="http://www.w3.org/2001/XMLSchema-instance" xmlns:pc="http://schemas.microsoft.com/office/infopath/2007/PartnerControls">
+  <documentManagement/>
+</p:properties>
+</file>
+
+<file path=customXml/item3.xml><?xml version="1.0" encoding="utf-8"?>
 <ct:contentTypeSchema xmlns:ct="http://schemas.microsoft.com/office/2006/metadata/contentType" xmlns:ma="http://schemas.microsoft.com/office/2006/metadata/properties/metaAttributes" ct:_="" ma:_="" ma:contentTypeName="Document" ma:contentTypeID="0x010100E78E6E94ED436946924B36A31FFCEBB8" ma:contentTypeVersion="12" ma:contentTypeDescription="Create a new document." ma:contentTypeScope="" ma:versionID="e436b8107fb96af1b61ee70bc1233880">
   <xsd:schema xmlns:xsd="http://www.w3.org/2001/XMLSchema" xmlns:xs="http://www.w3.org/2001/XMLSchema" xmlns:p="http://schemas.microsoft.com/office/2006/metadata/properties" xmlns:ns2="61854706-5cd6-472b-a3c4-bc6b322f1ab0" xmlns:ns3="98a927a6-b4a5-4015-88c1-3c2a20e5e26c" targetNamespace="http://schemas.microsoft.com/office/2006/metadata/properties" ma:root="true" ma:fieldsID="10c6abff0aae253243907943fbf07f5c" ns2:_="" ns3:_="">
     <xsd:import namespace="61854706-5cd6-472b-a3c4-bc6b322f1ab0"/>
@@ -26159,12 +27699,6 @@
 </ct:contentTypeSchema>
 </file>
 
-<file path=customXml/item3.xml><?xml version="1.0" encoding="utf-8"?>
-<p:properties xmlns:p="http://schemas.microsoft.com/office/2006/metadata/properties" xmlns:xsi="http://www.w3.org/2001/XMLSchema-instance" xmlns:pc="http://schemas.microsoft.com/office/infopath/2007/PartnerControls">
-  <documentManagement/>
-</p:properties>
-</file>
-
 <file path=customXml/itemProps1.xml><?xml version="1.0" encoding="utf-8"?>
 <ds:datastoreItem xmlns:ds="http://schemas.openxmlformats.org/officeDocument/2006/customXml" ds:itemID="{86B04F9A-D5E7-46F0-9900-1CC8F0FD6FF9}">
   <ds:schemaRefs>
@@ -26174,6 +27708,23 @@
 </file>
 
 <file path=customXml/itemProps2.xml><?xml version="1.0" encoding="utf-8"?>
+<ds:datastoreItem xmlns:ds="http://schemas.openxmlformats.org/officeDocument/2006/customXml" ds:itemID="{25B51E9A-E6B1-4435-A34C-AC84B8A921FD}">
+  <ds:schemaRefs>
+    <ds:schemaRef ds:uri="http://purl.org/dc/terms/"/>
+    <ds:schemaRef ds:uri="http://schemas.microsoft.com/office/2006/documentManagement/types"/>
+    <ds:schemaRef ds:uri="http://www.w3.org/XML/1998/namespace"/>
+    <ds:schemaRef ds:uri="http://schemas.microsoft.com/office/2006/metadata/properties"/>
+    <ds:schemaRef ds:uri="61854706-5cd6-472b-a3c4-bc6b322f1ab0"/>
+    <ds:schemaRef ds:uri="http://schemas.microsoft.com/office/infopath/2007/PartnerControls"/>
+    <ds:schemaRef ds:uri="http://schemas.openxmlformats.org/package/2006/metadata/core-properties"/>
+    <ds:schemaRef ds:uri="98a927a6-b4a5-4015-88c1-3c2a20e5e26c"/>
+    <ds:schemaRef ds:uri="http://purl.org/dc/elements/1.1/"/>
+    <ds:schemaRef ds:uri="http://purl.org/dc/dcmitype/"/>
+  </ds:schemaRefs>
+</ds:datastoreItem>
+</file>
+
+<file path=customXml/itemProps3.xml><?xml version="1.0" encoding="utf-8"?>
 <ds:datastoreItem xmlns:ds="http://schemas.openxmlformats.org/officeDocument/2006/customXml" ds:itemID="{C30CC63A-9B46-4B2E-B73B-D149DC248604}">
   <ds:schemaRefs>
     <ds:schemaRef ds:uri="http://schemas.microsoft.com/office/2006/metadata/contentType"/>
@@ -26190,21 +27741,4 @@
     <ds:schemaRef ds:uri="http://schemas.microsoft.com/internal/obd"/>
   </ds:schemaRefs>
 </ds:datastoreItem>
-</file>
-
-<file path=customXml/itemProps3.xml><?xml version="1.0" encoding="utf-8"?>
-<ds:datastoreItem xmlns:ds="http://schemas.openxmlformats.org/officeDocument/2006/customXml" ds:itemID="{25B51E9A-E6B1-4435-A34C-AC84B8A921FD}">
-  <ds:schemaRefs>
-    <ds:schemaRef ds:uri="http://www.w3.org/XML/1998/namespace"/>
-    <ds:schemaRef ds:uri="http://schemas.microsoft.com/office/2006/documentManagement/types"/>
-    <ds:schemaRef ds:uri="98a927a6-b4a5-4015-88c1-3c2a20e5e26c"/>
-    <ds:schemaRef ds:uri="http://schemas.openxmlformats.org/package/2006/metadata/core-properties"/>
-    <ds:schemaRef ds:uri="http://purl.org/dc/terms/"/>
-    <ds:schemaRef ds:uri="http://purl.org/dc/elements/1.1/"/>
-    <ds:schemaRef ds:uri="http://purl.org/dc/dcmitype/"/>
-    <ds:schemaRef ds:uri="http://schemas.microsoft.com/office/infopath/2007/PartnerControls"/>
-    <ds:schemaRef ds:uri="61854706-5cd6-472b-a3c4-bc6b322f1ab0"/>
-    <ds:schemaRef ds:uri="http://schemas.microsoft.com/office/2006/metadata/properties"/>
-  </ds:schemaRefs>
-</ds:datastoreItem>
 </file>